--- a/2023/A0)RoutineWork/2023 工作内容和计划.pptx
+++ b/2023/A0)RoutineWork/2023 工作内容和计划.pptx
@@ -5,7 +5,7 @@
     <p:sldMasterId id="2147483648" r:id="rId1"/>
   </p:sldMasterIdLst>
   <p:notesMasterIdLst>
-    <p:notesMasterId r:id="rId15"/>
+    <p:notesMasterId r:id="rId13"/>
   </p:notesMasterIdLst>
   <p:sldIdLst>
     <p:sldId id="256" r:id="rId2"/>
@@ -13,14 +13,12 @@
     <p:sldId id="258" r:id="rId4"/>
     <p:sldId id="259" r:id="rId5"/>
     <p:sldId id="260" r:id="rId6"/>
-    <p:sldId id="263" r:id="rId7"/>
-    <p:sldId id="269" r:id="rId8"/>
-    <p:sldId id="265" r:id="rId9"/>
-    <p:sldId id="264" r:id="rId10"/>
-    <p:sldId id="267" r:id="rId11"/>
-    <p:sldId id="266" r:id="rId12"/>
-    <p:sldId id="268" r:id="rId13"/>
-    <p:sldId id="262" r:id="rId14"/>
+    <p:sldId id="264" r:id="rId7"/>
+    <p:sldId id="267" r:id="rId8"/>
+    <p:sldId id="266" r:id="rId9"/>
+    <p:sldId id="268" r:id="rId10"/>
+    <p:sldId id="262" r:id="rId11"/>
+    <p:sldId id="263" r:id="rId12"/>
   </p:sldIdLst>
   <p:sldSz cx="12192000" cy="6858000"/>
   <p:notesSz cx="6858000" cy="9144000"/>
@@ -129,13 +127,6 @@
             <p14:sldId id="258"/>
             <p14:sldId id="259"/>
             <p14:sldId id="260"/>
-            <p14:sldId id="263"/>
-          </p14:sldIdLst>
-        </p14:section>
-        <p14:section name="其他" id="{8A617746-67CC-412A-8D60-E93BFB12D3E6}">
-          <p14:sldIdLst>
-            <p14:sldId id="269"/>
-            <p14:sldId id="265"/>
           </p14:sldIdLst>
         </p14:section>
         <p14:section name="DSP后级音效处理" id="{0A015227-0AB1-4CE6-B4B6-DA0EBE417803}">
@@ -144,7 +135,16 @@
             <p14:sldId id="267"/>
             <p14:sldId id="266"/>
             <p14:sldId id="268"/>
+          </p14:sldIdLst>
+        </p14:section>
+        <p14:section name="其他" id="{65470CEA-524B-43B8-BFFE-466DDD87EF9A}">
+          <p14:sldIdLst>
             <p14:sldId id="262"/>
+          </p14:sldIdLst>
+        </p14:section>
+        <p14:section name="一些有用的信息" id="{937F4523-F620-4A14-AB86-4671AB9C2BE8}">
+          <p14:sldIdLst>
+            <p14:sldId id="263"/>
           </p14:sldIdLst>
         </p14:section>
       </p14:sectionLst>
@@ -238,7 +238,7 @@
           <a:p>
             <a:fld id="{BC3847C8-96F3-4CFC-9A88-327754BEA498}" type="datetimeFigureOut">
               <a:rPr lang="zh-CN" altLang="en-US" smtClean="0"/>
-              <a:t>2023/2/21</a:t>
+              <a:t>2023/4/21</a:t>
             </a:fld>
             <a:endParaRPr lang="zh-CN" altLang="en-US"/>
           </a:p>
@@ -937,7 +937,7 @@
           <a:p>
             <a:fld id="{027A2725-75A9-4B2C-8B43-46AA9EA70B3C}" type="datetimeFigureOut">
               <a:rPr lang="zh-CN" altLang="en-US" smtClean="0"/>
-              <a:t>2023/2/21</a:t>
+              <a:t>2023/4/21</a:t>
             </a:fld>
             <a:endParaRPr lang="zh-CN" altLang="en-US"/>
           </a:p>
@@ -1135,7 +1135,7 @@
           <a:p>
             <a:fld id="{027A2725-75A9-4B2C-8B43-46AA9EA70B3C}" type="datetimeFigureOut">
               <a:rPr lang="zh-CN" altLang="en-US" smtClean="0"/>
-              <a:t>2023/2/21</a:t>
+              <a:t>2023/4/21</a:t>
             </a:fld>
             <a:endParaRPr lang="zh-CN" altLang="en-US"/>
           </a:p>
@@ -1343,7 +1343,7 @@
           <a:p>
             <a:fld id="{027A2725-75A9-4B2C-8B43-46AA9EA70B3C}" type="datetimeFigureOut">
               <a:rPr lang="zh-CN" altLang="en-US" smtClean="0"/>
-              <a:t>2023/2/21</a:t>
+              <a:t>2023/4/21</a:t>
             </a:fld>
             <a:endParaRPr lang="zh-CN" altLang="en-US"/>
           </a:p>
@@ -1541,7 +1541,7 @@
           <a:p>
             <a:fld id="{027A2725-75A9-4B2C-8B43-46AA9EA70B3C}" type="datetimeFigureOut">
               <a:rPr lang="zh-CN" altLang="en-US" smtClean="0"/>
-              <a:t>2023/2/21</a:t>
+              <a:t>2023/4/21</a:t>
             </a:fld>
             <a:endParaRPr lang="zh-CN" altLang="en-US"/>
           </a:p>
@@ -1816,7 +1816,7 @@
           <a:p>
             <a:fld id="{027A2725-75A9-4B2C-8B43-46AA9EA70B3C}" type="datetimeFigureOut">
               <a:rPr lang="zh-CN" altLang="en-US" smtClean="0"/>
-              <a:t>2023/2/21</a:t>
+              <a:t>2023/4/21</a:t>
             </a:fld>
             <a:endParaRPr lang="zh-CN" altLang="en-US"/>
           </a:p>
@@ -2081,7 +2081,7 @@
           <a:p>
             <a:fld id="{027A2725-75A9-4B2C-8B43-46AA9EA70B3C}" type="datetimeFigureOut">
               <a:rPr lang="zh-CN" altLang="en-US" smtClean="0"/>
-              <a:t>2023/2/21</a:t>
+              <a:t>2023/4/21</a:t>
             </a:fld>
             <a:endParaRPr lang="zh-CN" altLang="en-US"/>
           </a:p>
@@ -2493,7 +2493,7 @@
           <a:p>
             <a:fld id="{027A2725-75A9-4B2C-8B43-46AA9EA70B3C}" type="datetimeFigureOut">
               <a:rPr lang="zh-CN" altLang="en-US" smtClean="0"/>
-              <a:t>2023/2/21</a:t>
+              <a:t>2023/4/21</a:t>
             </a:fld>
             <a:endParaRPr lang="zh-CN" altLang="en-US"/>
           </a:p>
@@ -2634,7 +2634,7 @@
           <a:p>
             <a:fld id="{027A2725-75A9-4B2C-8B43-46AA9EA70B3C}" type="datetimeFigureOut">
               <a:rPr lang="zh-CN" altLang="en-US" smtClean="0"/>
-              <a:t>2023/2/21</a:t>
+              <a:t>2023/4/21</a:t>
             </a:fld>
             <a:endParaRPr lang="zh-CN" altLang="en-US"/>
           </a:p>
@@ -2747,7 +2747,7 @@
           <a:p>
             <a:fld id="{027A2725-75A9-4B2C-8B43-46AA9EA70B3C}" type="datetimeFigureOut">
               <a:rPr lang="zh-CN" altLang="en-US" smtClean="0"/>
-              <a:t>2023/2/21</a:t>
+              <a:t>2023/4/21</a:t>
             </a:fld>
             <a:endParaRPr lang="zh-CN" altLang="en-US"/>
           </a:p>
@@ -3058,7 +3058,7 @@
           <a:p>
             <a:fld id="{027A2725-75A9-4B2C-8B43-46AA9EA70B3C}" type="datetimeFigureOut">
               <a:rPr lang="zh-CN" altLang="en-US" smtClean="0"/>
-              <a:t>2023/2/21</a:t>
+              <a:t>2023/4/21</a:t>
             </a:fld>
             <a:endParaRPr lang="zh-CN" altLang="en-US"/>
           </a:p>
@@ -3346,7 +3346,7 @@
           <a:p>
             <a:fld id="{027A2725-75A9-4B2C-8B43-46AA9EA70B3C}" type="datetimeFigureOut">
               <a:rPr lang="zh-CN" altLang="en-US" smtClean="0"/>
-              <a:t>2023/2/21</a:t>
+              <a:t>2023/4/21</a:t>
             </a:fld>
             <a:endParaRPr lang="zh-CN" altLang="en-US"/>
           </a:p>
@@ -3587,7 +3587,7 @@
           <a:p>
             <a:fld id="{027A2725-75A9-4B2C-8B43-46AA9EA70B3C}" type="datetimeFigureOut">
               <a:rPr lang="zh-CN" altLang="en-US" smtClean="0"/>
-              <a:t>2023/2/21</a:t>
+              <a:t>2023/4/21</a:t>
             </a:fld>
             <a:endParaRPr lang="zh-CN" altLang="en-US"/>
           </a:p>
@@ -4025,7 +4025,10 @@
           <a:bodyPr/>
           <a:lstStyle/>
           <a:p>
-            <a:endParaRPr lang="zh-CN" altLang="en-US"/>
+            <a:r>
+              <a:rPr lang="zh-CN" altLang="en-US" dirty="0"/>
+              <a:t>工作计划</a:t>
+            </a:r>
           </a:p>
         </p:txBody>
       </p:sp>
@@ -4050,7 +4053,11 @@
           <a:bodyPr/>
           <a:lstStyle/>
           <a:p>
-            <a:endParaRPr lang="zh-CN" altLang="en-US"/>
+            <a:r>
+              <a:rPr lang="en-US" altLang="zh-CN" dirty="0"/>
+              <a:t>2023-2-9</a:t>
+            </a:r>
+            <a:endParaRPr lang="zh-CN" altLang="en-US" dirty="0"/>
           </a:p>
         </p:txBody>
       </p:sp>
@@ -4089,7 +4096,7 @@
           <p:cNvPr id="2" name="标题 1">
             <a:extLst>
               <a:ext uri="{FF2B5EF4-FFF2-40B4-BE49-F238E27FC236}">
-                <a16:creationId xmlns:a16="http://schemas.microsoft.com/office/drawing/2014/main" id="{4513E939-34DA-8367-9EE0-51B81760004D}"/>
+                <a16:creationId xmlns:a16="http://schemas.microsoft.com/office/drawing/2014/main" id="{81E52478-C3BC-EF08-1C31-2978E116C4B4}"/>
               </a:ext>
             </a:extLst>
           </p:cNvPr>
@@ -4106,77 +4113,126 @@
           <a:lstStyle/>
           <a:p>
             <a:r>
+              <a:rPr lang="zh-CN" altLang="en-US" dirty="0"/>
+              <a:t>待办</a:t>
+            </a:r>
+          </a:p>
+        </p:txBody>
+      </p:sp>
+      <p:sp>
+        <p:nvSpPr>
+          <p:cNvPr id="3" name="内容占位符 2">
+            <a:extLst>
+              <a:ext uri="{FF2B5EF4-FFF2-40B4-BE49-F238E27FC236}">
+                <a16:creationId xmlns:a16="http://schemas.microsoft.com/office/drawing/2014/main" id="{03F06958-AC70-68FD-738B-0F3364EBFFD4}"/>
+              </a:ext>
+            </a:extLst>
+          </p:cNvPr>
+          <p:cNvSpPr>
+            <a:spLocks noGrp="1"/>
+          </p:cNvSpPr>
+          <p:nvPr>
+            <p:ph idx="1"/>
+          </p:nvPr>
+        </p:nvSpPr>
+        <p:spPr/>
+        <p:txBody>
+          <a:bodyPr/>
+          <a:lstStyle/>
+          <a:p>
+            <a:r>
               <a:rPr lang="en-US" altLang="zh-CN" dirty="0"/>
-              <a:t>Schedule</a:t>
-            </a:r>
+              <a:t>1</a:t>
+            </a:r>
+            <a:r>
+              <a:rPr lang="zh-CN" altLang="en-US" dirty="0"/>
+              <a:t>）</a:t>
+            </a:r>
+            <a:r>
+              <a:rPr lang="en-US" altLang="zh-CN" dirty="0"/>
+              <a:t>SNC8600 </a:t>
+            </a:r>
+            <a:r>
+              <a:rPr lang="zh-CN" altLang="en-US" dirty="0"/>
+              <a:t>搭配蓝牙，蓝牙芯片的选型</a:t>
+            </a:r>
+            <a:endParaRPr lang="en-US" altLang="zh-CN" dirty="0"/>
+          </a:p>
+          <a:p>
+            <a:pPr lvl="1"/>
+            <a:r>
+              <a:rPr lang="zh-CN" altLang="en-US" dirty="0"/>
+              <a:t>蓝牙协议的优缺点</a:t>
+            </a:r>
+            <a:endParaRPr lang="en-US" altLang="zh-CN" dirty="0"/>
+          </a:p>
+          <a:p>
+            <a:pPr lvl="1"/>
+            <a:r>
+              <a:rPr lang="zh-CN" altLang="en-US" dirty="0"/>
+              <a:t>成本优势</a:t>
+            </a:r>
+            <a:endParaRPr lang="en-US" altLang="zh-CN" dirty="0"/>
+          </a:p>
+          <a:p>
+            <a:r>
+              <a:rPr lang="en-US" altLang="zh-CN" dirty="0"/>
+              <a:t>2</a:t>
+            </a:r>
+            <a:r>
+              <a:rPr lang="zh-CN" altLang="en-US" dirty="0"/>
+              <a:t>）耳内拾音方案</a:t>
+            </a:r>
+            <a:endParaRPr lang="en-US" altLang="zh-CN" dirty="0"/>
+          </a:p>
+          <a:p>
+            <a:pPr lvl="1"/>
+            <a:r>
+              <a:rPr lang="en-US" altLang="zh-CN" dirty="0"/>
+              <a:t>SNC8600</a:t>
+            </a:r>
+            <a:r>
+              <a:rPr lang="zh-CN" altLang="en-US" dirty="0"/>
+              <a:t>方案的具体问题和解决方法</a:t>
+            </a:r>
+            <a:endParaRPr lang="en-US" altLang="zh-CN" dirty="0"/>
+          </a:p>
+          <a:p>
+            <a:pPr lvl="1"/>
+            <a:r>
+              <a:rPr lang="zh-CN" altLang="en-US" dirty="0"/>
+              <a:t>考虑是否选其他芯片方案落地</a:t>
+            </a:r>
+            <a:endParaRPr lang="en-US" altLang="zh-CN" dirty="0"/>
+          </a:p>
+          <a:p>
+            <a:r>
+              <a:rPr lang="en-US" altLang="zh-CN" dirty="0"/>
+              <a:t>3</a:t>
+            </a:r>
+            <a:r>
+              <a:rPr lang="zh-CN" altLang="en-US" dirty="0"/>
+              <a:t>）高校合作</a:t>
+            </a:r>
+            <a:endParaRPr lang="en-US" altLang="zh-CN" dirty="0"/>
+          </a:p>
+          <a:p>
+            <a:pPr lvl="1"/>
+            <a:r>
+              <a:rPr lang="zh-CN" altLang="en-US" dirty="0"/>
+              <a:t>何老师：合作方式、内容</a:t>
+            </a:r>
+            <a:endParaRPr lang="en-US" altLang="zh-CN" dirty="0"/>
+          </a:p>
+          <a:p>
             <a:endParaRPr lang="zh-CN" altLang="en-US" dirty="0"/>
           </a:p>
         </p:txBody>
       </p:sp>
-      <p:sp>
-        <p:nvSpPr>
-          <p:cNvPr id="8" name="内容占位符 7">
-            <a:extLst>
-              <a:ext uri="{FF2B5EF4-FFF2-40B4-BE49-F238E27FC236}">
-                <a16:creationId xmlns:a16="http://schemas.microsoft.com/office/drawing/2014/main" id="{C5F32D26-8DDF-0A82-5CA8-E650DE9B8857}"/>
-              </a:ext>
-            </a:extLst>
-          </p:cNvPr>
-          <p:cNvSpPr>
-            <a:spLocks noGrp="1"/>
-          </p:cNvSpPr>
-          <p:nvPr>
-            <p:ph idx="1"/>
-          </p:nvPr>
-        </p:nvSpPr>
-        <p:spPr>
-          <a:xfrm>
-            <a:off x="838200" y="1825625"/>
-            <a:ext cx="10515600" cy="1760855"/>
-          </a:xfrm>
-        </p:spPr>
-        <p:txBody>
-          <a:bodyPr/>
-          <a:lstStyle/>
-          <a:p>
-            <a:endParaRPr lang="zh-CN" altLang="en-US" dirty="0"/>
-          </a:p>
-        </p:txBody>
-      </p:sp>
-      <p:pic>
-        <p:nvPicPr>
-          <p:cNvPr id="10" name="图片 9">
-            <a:extLst>
-              <a:ext uri="{FF2B5EF4-FFF2-40B4-BE49-F238E27FC236}">
-                <a16:creationId xmlns:a16="http://schemas.microsoft.com/office/drawing/2014/main" id="{1953ECD1-4860-F4A6-C501-6B30CFFB0B4F}"/>
-              </a:ext>
-            </a:extLst>
-          </p:cNvPr>
-          <p:cNvPicPr>
-            <a:picLocks noChangeAspect="1"/>
-          </p:cNvPicPr>
-          <p:nvPr/>
-        </p:nvPicPr>
-        <p:blipFill>
-          <a:blip r:embed="rId2"/>
-          <a:stretch>
-            <a:fillRect/>
-          </a:stretch>
-        </p:blipFill>
-        <p:spPr>
-          <a:xfrm>
-            <a:off x="77585" y="3861021"/>
-            <a:ext cx="12036829" cy="2683838"/>
-          </a:xfrm>
-          <a:prstGeom prst="rect">
-            <a:avLst/>
-          </a:prstGeom>
-        </p:spPr>
-      </p:pic>
     </p:spTree>
     <p:extLst>
       <p:ext uri="{BB962C8B-B14F-4D97-AF65-F5344CB8AC3E}">
-        <p14:creationId xmlns:p14="http://schemas.microsoft.com/office/powerpoint/2010/main" val="4029913114"/>
+        <p14:creationId xmlns:p14="http://schemas.microsoft.com/office/powerpoint/2010/main" val="2664022450"/>
       </p:ext>
     </p:extLst>
   </p:cSld>
@@ -4208,7 +4264,7 @@
           <p:cNvPr id="2" name="标题 1">
             <a:extLst>
               <a:ext uri="{FF2B5EF4-FFF2-40B4-BE49-F238E27FC236}">
-                <a16:creationId xmlns:a16="http://schemas.microsoft.com/office/drawing/2014/main" id="{7B7255A4-77B9-398F-1269-4B9F9A4BF4C3}"/>
+                <a16:creationId xmlns:a16="http://schemas.microsoft.com/office/drawing/2014/main" id="{7772AA1F-35F6-7389-5514-ECB1AD2E2391}"/>
               </a:ext>
             </a:extLst>
           </p:cNvPr>
@@ -4225,342 +4281,142 @@
           <a:lstStyle/>
           <a:p>
             <a:r>
+              <a:rPr lang="zh-CN" altLang="en-US" dirty="0"/>
+              <a:t>其他</a:t>
+            </a:r>
+          </a:p>
+        </p:txBody>
+      </p:sp>
+      <p:sp>
+        <p:nvSpPr>
+          <p:cNvPr id="3" name="内容占位符 2">
+            <a:extLst>
+              <a:ext uri="{FF2B5EF4-FFF2-40B4-BE49-F238E27FC236}">
+                <a16:creationId xmlns:a16="http://schemas.microsoft.com/office/drawing/2014/main" id="{C89335F0-09D2-A049-7A13-C9D6AFB69F58}"/>
+              </a:ext>
+            </a:extLst>
+          </p:cNvPr>
+          <p:cNvSpPr>
+            <a:spLocks noGrp="1"/>
+          </p:cNvSpPr>
+          <p:nvPr>
+            <p:ph idx="1"/>
+          </p:nvPr>
+        </p:nvSpPr>
+        <p:spPr/>
+        <p:txBody>
+          <a:bodyPr/>
+          <a:lstStyle/>
+          <a:p>
+            <a:pPr algn="l"/>
+            <a:r>
               <a:rPr lang="en-US" altLang="zh-CN" dirty="0"/>
-              <a:t>3.3</a:t>
-            </a:r>
-            <a:r>
-              <a:rPr lang="zh-CN" altLang="en-US" dirty="0"/>
-              <a:t>）评估算法各单元的算力和内存占用</a:t>
-            </a:r>
-          </a:p>
-        </p:txBody>
-      </p:sp>
-      <p:pic>
-        <p:nvPicPr>
-          <p:cNvPr id="1026" name="Picture 2">
-            <a:extLst>
-              <a:ext uri="{FF2B5EF4-FFF2-40B4-BE49-F238E27FC236}">
-                <a16:creationId xmlns:a16="http://schemas.microsoft.com/office/drawing/2014/main" id="{9C6D3D19-239A-04FF-EB9E-28EEF84439F2}"/>
-              </a:ext>
-            </a:extLst>
-          </p:cNvPr>
-          <p:cNvPicPr>
-            <a:picLocks noGrp="1" noChangeAspect="1" noChangeArrowheads="1"/>
-          </p:cNvPicPr>
-          <p:nvPr>
-            <p:ph idx="1"/>
-          </p:nvPr>
-        </p:nvPicPr>
-        <p:blipFill>
-          <a:blip r:embed="rId2">
-            <a:extLst>
-              <a:ext uri="{28A0092B-C50C-407E-A947-70E740481C1C}">
-                <a14:useLocalDpi xmlns:a14="http://schemas.microsoft.com/office/drawing/2010/main" val="0"/>
-              </a:ext>
-            </a:extLst>
-          </a:blip>
-          <a:srcRect/>
-          <a:stretch>
-            <a:fillRect/>
-          </a:stretch>
-        </p:blipFill>
-        <p:spPr bwMode="auto">
-          <a:xfrm>
-            <a:off x="7555693" y="2334342"/>
-            <a:ext cx="3798107" cy="3519347"/>
-          </a:xfrm>
-          <a:prstGeom prst="rect">
-            <a:avLst/>
-          </a:prstGeom>
-          <a:noFill/>
-          <a:extLst>
-            <a:ext uri="{909E8E84-426E-40DD-AFC4-6F175D3DCCD1}">
-              <a14:hiddenFill xmlns:a14="http://schemas.microsoft.com/office/drawing/2010/main">
+              <a:t>Single Chip builds in codec with Headphone Amp</a:t>
+            </a:r>
+            <a:r>
+              <a:rPr lang="zh-CN" altLang="en-US" b="0" i="0" dirty="0">
                 <a:solidFill>
-                  <a:srgbClr val="FFFFFF"/>
+                  <a:srgbClr val="2A2B2E"/>
                 </a:solidFill>
-              </a14:hiddenFill>
-            </a:ext>
-          </a:extLst>
-        </p:spPr>
-      </p:pic>
-      <p:sp>
-        <p:nvSpPr>
-          <p:cNvPr id="4" name="内容占位符 2">
-            <a:extLst>
-              <a:ext uri="{FF2B5EF4-FFF2-40B4-BE49-F238E27FC236}">
-                <a16:creationId xmlns:a16="http://schemas.microsoft.com/office/drawing/2014/main" id="{B36CF71D-DD4F-89A3-E126-24B6D0BD327F}"/>
-              </a:ext>
-            </a:extLst>
-          </p:cNvPr>
-          <p:cNvSpPr txBox="1">
-            <a:spLocks/>
-          </p:cNvSpPr>
-          <p:nvPr/>
-        </p:nvSpPr>
-        <p:spPr>
-          <a:xfrm>
-            <a:off x="838200" y="1825625"/>
-            <a:ext cx="6569364" cy="4351338"/>
-          </a:xfrm>
-          <a:prstGeom prst="rect">
-            <a:avLst/>
-          </a:prstGeom>
-        </p:spPr>
-        <p:txBody>
-          <a:bodyPr vert="horz" lIns="91440" tIns="45720" rIns="91440" bIns="45720" rtlCol="0">
-            <a:normAutofit/>
-          </a:bodyPr>
-          <a:lstStyle>
-            <a:lvl1pPr marL="228600" indent="-228600" algn="l" defTabSz="914400" rtl="0" eaLnBrk="1" latinLnBrk="0" hangingPunct="1">
-              <a:lnSpc>
-                <a:spcPct val="90000"/>
-              </a:lnSpc>
-              <a:spcBef>
-                <a:spcPts val="1000"/>
-              </a:spcBef>
-              <a:buFont typeface="Arial" panose="020B0604020202020204" pitchFamily="34" charset="0"/>
-              <a:buChar char="•"/>
-              <a:defRPr sz="2800" kern="1200">
+                <a:effectLst/>
+                <a:latin typeface="PingFang SC"/>
+              </a:rPr>
+              <a:t>内置</a:t>
+            </a:r>
+            <a:r>
+              <a:rPr lang="en-US" altLang="zh-CN" b="0" i="0" dirty="0">
                 <a:solidFill>
-                  <a:schemeClr val="tx1"/>
+                  <a:srgbClr val="2A2B2E"/>
                 </a:solidFill>
-                <a:latin typeface="+mn-lt"/>
-                <a:ea typeface="+mn-ea"/>
-                <a:cs typeface="+mn-cs"/>
-              </a:defRPr>
-            </a:lvl1pPr>
-            <a:lvl2pPr marL="685800" indent="-228600" algn="l" defTabSz="914400" rtl="0" eaLnBrk="1" latinLnBrk="0" hangingPunct="1">
-              <a:lnSpc>
-                <a:spcPct val="90000"/>
-              </a:lnSpc>
-              <a:spcBef>
-                <a:spcPts val="500"/>
-              </a:spcBef>
-              <a:buFont typeface="Arial" panose="020B0604020202020204" pitchFamily="34" charset="0"/>
-              <a:buChar char="•"/>
-              <a:defRPr sz="2400" kern="1200">
+                <a:effectLst/>
+                <a:latin typeface="PingFang SC"/>
+              </a:rPr>
+              <a:t>Codec</a:t>
+            </a:r>
+            <a:r>
+              <a:rPr lang="zh-CN" altLang="en-US" b="0" i="0" dirty="0">
                 <a:solidFill>
-                  <a:schemeClr val="tx1"/>
+                  <a:srgbClr val="2A2B2E"/>
                 </a:solidFill>
-                <a:latin typeface="+mn-lt"/>
-                <a:ea typeface="+mn-ea"/>
-                <a:cs typeface="+mn-cs"/>
-              </a:defRPr>
-            </a:lvl2pPr>
-            <a:lvl3pPr marL="1143000" indent="-228600" algn="l" defTabSz="914400" rtl="0" eaLnBrk="1" latinLnBrk="0" hangingPunct="1">
-              <a:lnSpc>
-                <a:spcPct val="90000"/>
-              </a:lnSpc>
-              <a:spcBef>
-                <a:spcPts val="500"/>
-              </a:spcBef>
-              <a:buFont typeface="Arial" panose="020B0604020202020204" pitchFamily="34" charset="0"/>
-              <a:buChar char="•"/>
-              <a:defRPr sz="2000" kern="1200">
+                <a:effectLst/>
+                <a:latin typeface="PingFang SC"/>
+              </a:rPr>
+              <a:t>与耳机放大器的单芯片</a:t>
+            </a:r>
+            <a:endParaRPr lang="en-US" altLang="zh-CN" b="0" i="0" dirty="0">
+              <a:solidFill>
+                <a:srgbClr val="2A2B2E"/>
+              </a:solidFill>
+              <a:effectLst/>
+              <a:latin typeface="PingFang SC"/>
+            </a:endParaRPr>
+          </a:p>
+          <a:p>
+            <a:r>
+              <a:rPr lang="en-US" altLang="zh-CN" dirty="0"/>
+              <a:t>High Sample Rate and High Resolution(192KHz/24bit)</a:t>
+            </a:r>
+            <a:r>
+              <a:rPr lang="zh-CN" altLang="en-US" b="0" i="0" dirty="0">
                 <a:solidFill>
-                  <a:schemeClr val="tx1"/>
+                  <a:srgbClr val="2A2B2E"/>
                 </a:solidFill>
-                <a:latin typeface="+mn-lt"/>
-                <a:ea typeface="+mn-ea"/>
-                <a:cs typeface="+mn-cs"/>
-              </a:defRPr>
-            </a:lvl3pPr>
-            <a:lvl4pPr marL="1600200" indent="-228600" algn="l" defTabSz="914400" rtl="0" eaLnBrk="1" latinLnBrk="0" hangingPunct="1">
-              <a:lnSpc>
-                <a:spcPct val="90000"/>
-              </a:lnSpc>
-              <a:spcBef>
-                <a:spcPts val="500"/>
-              </a:spcBef>
-              <a:buFont typeface="Arial" panose="020B0604020202020204" pitchFamily="34" charset="0"/>
-              <a:buChar char="•"/>
-              <a:defRPr sz="1800" kern="1200">
+                <a:effectLst/>
+                <a:latin typeface="PingFang SC"/>
+              </a:rPr>
+              <a:t>高采样率和高分辨率</a:t>
+            </a:r>
+            <a:r>
+              <a:rPr lang="en-US" altLang="zh-CN" b="0" i="0" dirty="0">
                 <a:solidFill>
-                  <a:schemeClr val="tx1"/>
+                  <a:srgbClr val="2A2B2E"/>
                 </a:solidFill>
-                <a:latin typeface="+mn-lt"/>
-                <a:ea typeface="+mn-ea"/>
-                <a:cs typeface="+mn-cs"/>
-              </a:defRPr>
-            </a:lvl4pPr>
-            <a:lvl5pPr marL="2057400" indent="-228600" algn="l" defTabSz="914400" rtl="0" eaLnBrk="1" latinLnBrk="0" hangingPunct="1">
-              <a:lnSpc>
-                <a:spcPct val="90000"/>
-              </a:lnSpc>
-              <a:spcBef>
-                <a:spcPts val="500"/>
-              </a:spcBef>
-              <a:buFont typeface="Arial" panose="020B0604020202020204" pitchFamily="34" charset="0"/>
-              <a:buChar char="•"/>
-              <a:defRPr sz="1800" kern="1200">
+                <a:effectLst/>
+                <a:latin typeface="PingFang SC"/>
+              </a:rPr>
+              <a:t>(192KHz/24bit)</a:t>
+            </a:r>
+            <a:endParaRPr lang="zh-CN" altLang="en-US" b="0" i="0" dirty="0">
+              <a:solidFill>
+                <a:srgbClr val="2A2B2E"/>
+              </a:solidFill>
+              <a:effectLst/>
+              <a:latin typeface="PingFang SC"/>
+            </a:endParaRPr>
+          </a:p>
+          <a:p>
+            <a:r>
+              <a:rPr lang="en-US" altLang="zh-CN" b="0" i="0" dirty="0">
                 <a:solidFill>
-                  <a:schemeClr val="tx1"/>
+                  <a:srgbClr val="4D4D4D"/>
                 </a:solidFill>
-                <a:latin typeface="+mn-lt"/>
-                <a:ea typeface="+mn-ea"/>
-                <a:cs typeface="+mn-cs"/>
-              </a:defRPr>
-            </a:lvl5pPr>
-            <a:lvl6pPr marL="2514600" indent="-228600" algn="l" defTabSz="914400" rtl="0" eaLnBrk="1" latinLnBrk="0" hangingPunct="1">
-              <a:lnSpc>
-                <a:spcPct val="90000"/>
-              </a:lnSpc>
-              <a:spcBef>
-                <a:spcPts val="500"/>
-              </a:spcBef>
-              <a:buFont typeface="Arial" panose="020B0604020202020204" pitchFamily="34" charset="0"/>
-              <a:buChar char="•"/>
-              <a:defRPr sz="1800" kern="1200">
+                <a:effectLst/>
+                <a:latin typeface="proxima-nova"/>
+              </a:rPr>
+              <a:t>Portable and Plug &amp; Play</a:t>
+            </a:r>
+            <a:r>
+              <a:rPr lang="zh-CN" altLang="en-US" b="0" i="0" dirty="0">
                 <a:solidFill>
-                  <a:schemeClr val="tx1"/>
+                  <a:srgbClr val="2A2B2E"/>
                 </a:solidFill>
-                <a:latin typeface="+mn-lt"/>
-                <a:ea typeface="+mn-ea"/>
-                <a:cs typeface="+mn-cs"/>
-              </a:defRPr>
-            </a:lvl6pPr>
-            <a:lvl7pPr marL="2971800" indent="-228600" algn="l" defTabSz="914400" rtl="0" eaLnBrk="1" latinLnBrk="0" hangingPunct="1">
-              <a:lnSpc>
-                <a:spcPct val="90000"/>
-              </a:lnSpc>
-              <a:spcBef>
-                <a:spcPts val="500"/>
-              </a:spcBef>
-              <a:buFont typeface="Arial" panose="020B0604020202020204" pitchFamily="34" charset="0"/>
-              <a:buChar char="•"/>
-              <a:defRPr sz="1800" kern="1200">
-                <a:solidFill>
-                  <a:schemeClr val="tx1"/>
-                </a:solidFill>
-                <a:latin typeface="+mn-lt"/>
-                <a:ea typeface="+mn-ea"/>
-                <a:cs typeface="+mn-cs"/>
-              </a:defRPr>
-            </a:lvl7pPr>
-            <a:lvl8pPr marL="3429000" indent="-228600" algn="l" defTabSz="914400" rtl="0" eaLnBrk="1" latinLnBrk="0" hangingPunct="1">
-              <a:lnSpc>
-                <a:spcPct val="90000"/>
-              </a:lnSpc>
-              <a:spcBef>
-                <a:spcPts val="500"/>
-              </a:spcBef>
-              <a:buFont typeface="Arial" panose="020B0604020202020204" pitchFamily="34" charset="0"/>
-              <a:buChar char="•"/>
-              <a:defRPr sz="1800" kern="1200">
-                <a:solidFill>
-                  <a:schemeClr val="tx1"/>
-                </a:solidFill>
-                <a:latin typeface="+mn-lt"/>
-                <a:ea typeface="+mn-ea"/>
-                <a:cs typeface="+mn-cs"/>
-              </a:defRPr>
-            </a:lvl8pPr>
-            <a:lvl9pPr marL="3886200" indent="-228600" algn="l" defTabSz="914400" rtl="0" eaLnBrk="1" latinLnBrk="0" hangingPunct="1">
-              <a:lnSpc>
-                <a:spcPct val="90000"/>
-              </a:lnSpc>
-              <a:spcBef>
-                <a:spcPts val="500"/>
-              </a:spcBef>
-              <a:buFont typeface="Arial" panose="020B0604020202020204" pitchFamily="34" charset="0"/>
-              <a:buChar char="•"/>
-              <a:defRPr sz="1800" kern="1200">
-                <a:solidFill>
-                  <a:schemeClr val="tx1"/>
-                </a:solidFill>
-                <a:latin typeface="+mn-lt"/>
-                <a:ea typeface="+mn-ea"/>
-                <a:cs typeface="+mn-cs"/>
-              </a:defRPr>
-            </a:lvl9pPr>
-          </a:lstStyle>
-          <a:p>
-            <a:r>
-              <a:rPr lang="en-US" altLang="zh-CN" dirty="0">
-                <a:solidFill>
-                  <a:srgbClr val="3C4353"/>
-                </a:solidFill>
-                <a:latin typeface="Helvetica Neue"/>
+                <a:effectLst/>
+                <a:latin typeface="PingFang SC"/>
               </a:rPr>
-              <a:t>DRAM</a:t>
-            </a:r>
-            <a:r>
-              <a:rPr lang="zh-CN" altLang="en-US" dirty="0">
-                <a:solidFill>
-                  <a:srgbClr val="3C4353"/>
-                </a:solidFill>
-                <a:latin typeface="Helvetica Neue"/>
-              </a:rPr>
-              <a:t>空间目前全部功能打开的情况下还有</a:t>
-            </a:r>
-            <a:r>
-              <a:rPr lang="en-US" altLang="zh-CN" dirty="0">
-                <a:solidFill>
-                  <a:srgbClr val="3C4353"/>
-                </a:solidFill>
-                <a:latin typeface="Helvetica Neue"/>
-              </a:rPr>
-              <a:t>168K</a:t>
-            </a:r>
-            <a:r>
-              <a:rPr lang="zh-CN" altLang="en-US" dirty="0">
-                <a:solidFill>
-                  <a:srgbClr val="3C4353"/>
-                </a:solidFill>
-                <a:latin typeface="Helvetica Neue"/>
-              </a:rPr>
-              <a:t>剩余，余量充足。</a:t>
-            </a:r>
-          </a:p>
-          <a:p>
-            <a:r>
-              <a:rPr lang="en-US" altLang="zh-CN" dirty="0">
-                <a:solidFill>
-                  <a:srgbClr val="3C4353"/>
-                </a:solidFill>
-                <a:latin typeface="Helvetica Neue"/>
-              </a:rPr>
-              <a:t>IRAM</a:t>
-            </a:r>
-            <a:r>
-              <a:rPr lang="zh-CN" altLang="en-US" dirty="0">
-                <a:solidFill>
-                  <a:srgbClr val="3C4353"/>
-                </a:solidFill>
-                <a:latin typeface="Helvetica Neue"/>
-              </a:rPr>
-              <a:t>空间使用了</a:t>
-            </a:r>
-            <a:r>
-              <a:rPr lang="en-US" altLang="zh-CN" dirty="0">
-                <a:solidFill>
-                  <a:srgbClr val="3C4353"/>
-                </a:solidFill>
-                <a:latin typeface="Helvetica Neue"/>
-              </a:rPr>
-              <a:t>121K</a:t>
-            </a:r>
-            <a:r>
-              <a:rPr lang="zh-CN" altLang="en-US" dirty="0">
-                <a:solidFill>
-                  <a:srgbClr val="3C4353"/>
-                </a:solidFill>
-                <a:latin typeface="Helvetica Neue"/>
-              </a:rPr>
-              <a:t>，剩余</a:t>
-            </a:r>
-            <a:r>
-              <a:rPr lang="en-US" altLang="zh-CN" dirty="0">
-                <a:solidFill>
-                  <a:srgbClr val="3C4353"/>
-                </a:solidFill>
-                <a:latin typeface="Helvetica Neue"/>
-              </a:rPr>
-              <a:t>135K</a:t>
-            </a:r>
-          </a:p>
-          <a:p>
+              <a:t>便携式和即插即用</a:t>
+            </a:r>
+            <a:endParaRPr lang="en-US" altLang="zh-CN" b="0" i="0" dirty="0">
+              <a:solidFill>
+                <a:srgbClr val="4D4D4D"/>
+              </a:solidFill>
+              <a:effectLst/>
+              <a:latin typeface="proxima-nova"/>
+            </a:endParaRPr>
+          </a:p>
+          <a:p>
+            <a:br>
+              <a:rPr lang="zh-CN" altLang="en-US" dirty="0"/>
+            </a:br>
             <a:endParaRPr lang="zh-CN" altLang="en-US" dirty="0"/>
           </a:p>
         </p:txBody>
@@ -4568,805 +4424,7 @@
     </p:spTree>
     <p:extLst>
       <p:ext uri="{BB962C8B-B14F-4D97-AF65-F5344CB8AC3E}">
-        <p14:creationId xmlns:p14="http://schemas.microsoft.com/office/powerpoint/2010/main" val="3615752743"/>
-      </p:ext>
-    </p:extLst>
-  </p:cSld>
-  <p:clrMapOvr>
-    <a:masterClrMapping/>
-  </p:clrMapOvr>
-</p:sld>
-</file>
-
-<file path=ppt/slides/slide12.xml><?xml version="1.0" encoding="utf-8"?>
-<p:sld xmlns:a="http://schemas.openxmlformats.org/drawingml/2006/main" xmlns:r="http://schemas.openxmlformats.org/officeDocument/2006/relationships" xmlns:p="http://schemas.openxmlformats.org/presentationml/2006/main">
-  <p:cSld>
-    <p:spTree>
-      <p:nvGrpSpPr>
-        <p:cNvPr id="1" name=""/>
-        <p:cNvGrpSpPr/>
-        <p:nvPr/>
-      </p:nvGrpSpPr>
-      <p:grpSpPr>
-        <a:xfrm>
-          <a:off x="0" y="0"/>
-          <a:ext cx="0" cy="0"/>
-          <a:chOff x="0" y="0"/>
-          <a:chExt cx="0" cy="0"/>
-        </a:xfrm>
-      </p:grpSpPr>
-      <p:sp>
-        <p:nvSpPr>
-          <p:cNvPr id="2" name="标题 1">
-            <a:extLst>
-              <a:ext uri="{FF2B5EF4-FFF2-40B4-BE49-F238E27FC236}">
-                <a16:creationId xmlns:a16="http://schemas.microsoft.com/office/drawing/2014/main" id="{B670D544-6CAB-93CE-6309-5C9D26C48D16}"/>
-              </a:ext>
-            </a:extLst>
-          </p:cNvPr>
-          <p:cNvSpPr>
-            <a:spLocks noGrp="1"/>
-          </p:cNvSpPr>
-          <p:nvPr>
-            <p:ph type="title"/>
-          </p:nvPr>
-        </p:nvSpPr>
-        <p:spPr/>
-        <p:txBody>
-          <a:bodyPr/>
-          <a:lstStyle/>
-          <a:p>
-            <a:endParaRPr lang="zh-CN" altLang="en-US"/>
-          </a:p>
-        </p:txBody>
-      </p:sp>
-      <p:sp>
-        <p:nvSpPr>
-          <p:cNvPr id="3" name="内容占位符 2">
-            <a:extLst>
-              <a:ext uri="{FF2B5EF4-FFF2-40B4-BE49-F238E27FC236}">
-                <a16:creationId xmlns:a16="http://schemas.microsoft.com/office/drawing/2014/main" id="{AE5AC1D9-3365-061B-58F3-135EFB98F7C3}"/>
-              </a:ext>
-            </a:extLst>
-          </p:cNvPr>
-          <p:cNvSpPr>
-            <a:spLocks noGrp="1"/>
-          </p:cNvSpPr>
-          <p:nvPr>
-            <p:ph idx="1"/>
-          </p:nvPr>
-        </p:nvSpPr>
-        <p:spPr/>
-        <p:txBody>
-          <a:bodyPr/>
-          <a:lstStyle/>
-          <a:p>
-            <a:r>
-              <a:rPr lang="en-US" altLang="zh-CN" dirty="0"/>
-              <a:t>V2</a:t>
-            </a:r>
-            <a:r>
-              <a:rPr lang="zh-CN" altLang="en-US" dirty="0"/>
-              <a:t>版本</a:t>
-            </a:r>
-            <a:endParaRPr lang="en-US" altLang="zh-CN" dirty="0"/>
-          </a:p>
-          <a:p>
-            <a:pPr lvl="1"/>
-            <a:r>
-              <a:rPr lang="zh-CN" altLang="en-US" dirty="0"/>
-              <a:t>动态低音增强、</a:t>
-            </a:r>
-            <a:endParaRPr lang="en-US" altLang="zh-CN" dirty="0"/>
-          </a:p>
-          <a:p>
-            <a:pPr lvl="1"/>
-            <a:endParaRPr lang="en-US" altLang="zh-CN" dirty="0"/>
-          </a:p>
-          <a:p>
-            <a:r>
-              <a:rPr lang="en-US" altLang="zh-CN" dirty="0"/>
-              <a:t>V3</a:t>
-            </a:r>
-            <a:r>
-              <a:rPr lang="zh-CN" altLang="en-US" dirty="0"/>
-              <a:t>版本</a:t>
-            </a:r>
-            <a:endParaRPr lang="en-US" altLang="zh-CN" dirty="0"/>
-          </a:p>
-          <a:p>
-            <a:pPr lvl="1"/>
-            <a:r>
-              <a:rPr lang="zh-CN" altLang="en-US" b="0" dirty="0">
-                <a:effectLst/>
-                <a:latin typeface="Arial" panose="020B0604020202020204" pitchFamily="34" charset="0"/>
-              </a:rPr>
-              <a:t>杜比、</a:t>
-            </a:r>
-            <a:r>
-              <a:rPr lang="en-US" altLang="zh-CN" b="0" dirty="0">
-                <a:effectLst/>
-                <a:latin typeface="Arial" panose="020B0604020202020204" pitchFamily="34" charset="0"/>
-              </a:rPr>
-              <a:t>DTS</a:t>
-            </a:r>
-            <a:r>
-              <a:rPr lang="zh-CN" altLang="en-US" b="0" dirty="0">
-                <a:effectLst/>
-                <a:latin typeface="Arial" panose="020B0604020202020204" pitchFamily="34" charset="0"/>
-              </a:rPr>
-              <a:t>、</a:t>
-            </a:r>
-            <a:r>
-              <a:rPr lang="en-US" altLang="zh-CN" b="0" dirty="0">
-                <a:effectLst/>
-                <a:latin typeface="Arial" panose="020B0604020202020204" pitchFamily="34" charset="0"/>
-              </a:rPr>
-              <a:t>THX</a:t>
-            </a:r>
-          </a:p>
-          <a:p>
-            <a:pPr lvl="2"/>
-            <a:r>
-              <a:rPr lang="en-US" altLang="zh-CN" b="0" i="0" dirty="0">
-                <a:solidFill>
-                  <a:srgbClr val="000000"/>
-                </a:solidFill>
-                <a:effectLst/>
-                <a:latin typeface="Microsoft YaHei" panose="020B0503020204020204" pitchFamily="34" charset="-122"/>
-                <a:ea typeface="Microsoft YaHei" panose="020B0503020204020204" pitchFamily="34" charset="-122"/>
-              </a:rPr>
-              <a:t>Dolby Digital</a:t>
-            </a:r>
-            <a:r>
-              <a:rPr lang="zh-CN" altLang="en-US" b="0" i="0" dirty="0">
-                <a:solidFill>
-                  <a:srgbClr val="000000"/>
-                </a:solidFill>
-                <a:effectLst/>
-                <a:latin typeface="Microsoft YaHei" panose="020B0503020204020204" pitchFamily="34" charset="-122"/>
-                <a:ea typeface="Microsoft YaHei" panose="020B0503020204020204" pitchFamily="34" charset="-122"/>
-              </a:rPr>
-              <a:t>音效</a:t>
-            </a:r>
-            <a:r>
-              <a:rPr lang="zh-CN" altLang="en-US" i="0" dirty="0">
-                <a:solidFill>
-                  <a:srgbClr val="000000"/>
-                </a:solidFill>
-                <a:latin typeface="Arial" panose="020B0604020202020204" pitchFamily="34" charset="0"/>
-                <a:ea typeface="Microsoft YaHei" panose="020B0503020204020204" pitchFamily="34" charset="-122"/>
-              </a:rPr>
-              <a:t>，</a:t>
-            </a:r>
-            <a:r>
-              <a:rPr lang="zh-CN" altLang="en-US" b="0" i="0" dirty="0">
-                <a:solidFill>
-                  <a:srgbClr val="000000"/>
-                </a:solidFill>
-                <a:effectLst/>
-                <a:latin typeface="Microsoft YaHei" panose="020B0503020204020204" pitchFamily="34" charset="-122"/>
-                <a:ea typeface="Microsoft YaHei" panose="020B0503020204020204" pitchFamily="34" charset="-122"/>
-              </a:rPr>
-              <a:t>可以是最简化的单声道，也可以是</a:t>
-            </a:r>
-            <a:r>
-              <a:rPr lang="en-US" altLang="zh-CN" b="0" i="0" dirty="0">
-                <a:solidFill>
-                  <a:srgbClr val="000000"/>
-                </a:solidFill>
-                <a:effectLst/>
-                <a:latin typeface="Microsoft YaHei" panose="020B0503020204020204" pitchFamily="34" charset="-122"/>
-                <a:ea typeface="Microsoft YaHei" panose="020B0503020204020204" pitchFamily="34" charset="-122"/>
-              </a:rPr>
-              <a:t>5.1</a:t>
-            </a:r>
-            <a:r>
-              <a:rPr lang="zh-CN" altLang="en-US" b="0" i="0" dirty="0">
-                <a:solidFill>
-                  <a:srgbClr val="000000"/>
-                </a:solidFill>
-                <a:effectLst/>
-                <a:latin typeface="Microsoft YaHei" panose="020B0503020204020204" pitchFamily="34" charset="-122"/>
-                <a:ea typeface="Microsoft YaHei" panose="020B0503020204020204" pitchFamily="34" charset="-122"/>
-              </a:rPr>
-              <a:t>声道，也有介于两者之间的</a:t>
-            </a:r>
-            <a:r>
-              <a:rPr lang="en-US" altLang="zh-CN" b="0" i="0" dirty="0">
-                <a:solidFill>
-                  <a:srgbClr val="000000"/>
-                </a:solidFill>
-                <a:effectLst/>
-                <a:latin typeface="Microsoft YaHei" panose="020B0503020204020204" pitchFamily="34" charset="-122"/>
-                <a:ea typeface="Microsoft YaHei" panose="020B0503020204020204" pitchFamily="34" charset="-122"/>
-              </a:rPr>
-              <a:t>Dolby Digital Stereo</a:t>
-            </a:r>
-            <a:r>
-              <a:rPr lang="zh-CN" altLang="en-US" b="0" i="0" dirty="0">
-                <a:solidFill>
-                  <a:srgbClr val="000000"/>
-                </a:solidFill>
-                <a:effectLst/>
-                <a:latin typeface="Microsoft YaHei" panose="020B0503020204020204" pitchFamily="34" charset="-122"/>
-                <a:ea typeface="Microsoft YaHei" panose="020B0503020204020204" pitchFamily="34" charset="-122"/>
-              </a:rPr>
-              <a:t>、</a:t>
-            </a:r>
-            <a:r>
-              <a:rPr lang="en-US" altLang="zh-CN" b="0" i="0" dirty="0">
-                <a:solidFill>
-                  <a:srgbClr val="000000"/>
-                </a:solidFill>
-                <a:effectLst/>
-                <a:latin typeface="Microsoft YaHei" panose="020B0503020204020204" pitchFamily="34" charset="-122"/>
-                <a:ea typeface="Microsoft YaHei" panose="020B0503020204020204" pitchFamily="34" charset="-122"/>
-              </a:rPr>
-              <a:t>Dolby Digital 4.0</a:t>
-            </a:r>
-            <a:r>
-              <a:rPr lang="zh-CN" altLang="en-US" b="0" i="0" dirty="0">
-                <a:solidFill>
-                  <a:srgbClr val="000000"/>
-                </a:solidFill>
-                <a:effectLst/>
-                <a:latin typeface="Microsoft YaHei" panose="020B0503020204020204" pitchFamily="34" charset="-122"/>
-                <a:ea typeface="Microsoft YaHei" panose="020B0503020204020204" pitchFamily="34" charset="-122"/>
-              </a:rPr>
-              <a:t>、</a:t>
-            </a:r>
-            <a:r>
-              <a:rPr lang="en-US" altLang="zh-CN" b="0" i="0" dirty="0">
-                <a:solidFill>
-                  <a:srgbClr val="000000"/>
-                </a:solidFill>
-                <a:effectLst/>
-                <a:latin typeface="Microsoft YaHei" panose="020B0503020204020204" pitchFamily="34" charset="-122"/>
-                <a:ea typeface="Microsoft YaHei" panose="020B0503020204020204" pitchFamily="34" charset="-122"/>
-              </a:rPr>
-              <a:t>Dolby Digital 5.0......</a:t>
-            </a:r>
-            <a:r>
-              <a:rPr lang="zh-CN" altLang="en-US" b="0" i="0" dirty="0">
-                <a:solidFill>
-                  <a:srgbClr val="000000"/>
-                </a:solidFill>
-                <a:effectLst/>
-                <a:latin typeface="Microsoft YaHei" panose="020B0503020204020204" pitchFamily="34" charset="-122"/>
-                <a:ea typeface="Microsoft YaHei" panose="020B0503020204020204" pitchFamily="34" charset="-122"/>
-              </a:rPr>
-              <a:t>等方式</a:t>
-            </a:r>
-            <a:endParaRPr lang="en-US" altLang="zh-CN" b="0" i="0" dirty="0">
-              <a:solidFill>
-                <a:srgbClr val="000000"/>
-              </a:solidFill>
-              <a:effectLst/>
-              <a:latin typeface="Microsoft YaHei" panose="020B0503020204020204" pitchFamily="34" charset="-122"/>
-              <a:ea typeface="Microsoft YaHei" panose="020B0503020204020204" pitchFamily="34" charset="-122"/>
-            </a:endParaRPr>
-          </a:p>
-          <a:p>
-            <a:pPr lvl="2"/>
-            <a:r>
-              <a:rPr lang="en-US" altLang="zh-CN" b="0" i="0" dirty="0">
-                <a:solidFill>
-                  <a:srgbClr val="000000"/>
-                </a:solidFill>
-                <a:effectLst/>
-                <a:latin typeface="Microsoft YaHei" panose="020B0503020204020204" pitchFamily="34" charset="-122"/>
-                <a:ea typeface="Microsoft YaHei" panose="020B0503020204020204" pitchFamily="34" charset="-122"/>
-              </a:rPr>
-              <a:t>DVD</a:t>
-            </a:r>
-            <a:r>
-              <a:rPr lang="zh-CN" altLang="en-US" b="0" i="0" dirty="0">
-                <a:solidFill>
-                  <a:srgbClr val="000000"/>
-                </a:solidFill>
-                <a:effectLst/>
-                <a:latin typeface="Microsoft YaHei" panose="020B0503020204020204" pitchFamily="34" charset="-122"/>
-                <a:ea typeface="Microsoft YaHei" panose="020B0503020204020204" pitchFamily="34" charset="-122"/>
-              </a:rPr>
-              <a:t>中的声音储存方式，除了</a:t>
-            </a:r>
-            <a:r>
-              <a:rPr lang="en-US" altLang="zh-CN" b="0" i="0" dirty="0">
-                <a:solidFill>
-                  <a:srgbClr val="000000"/>
-                </a:solidFill>
-                <a:effectLst/>
-                <a:latin typeface="Microsoft YaHei" panose="020B0503020204020204" pitchFamily="34" charset="-122"/>
-                <a:ea typeface="Microsoft YaHei" panose="020B0503020204020204" pitchFamily="34" charset="-122"/>
-              </a:rPr>
-              <a:t>Dolby Digital</a:t>
-            </a:r>
-            <a:r>
-              <a:rPr lang="zh-CN" altLang="en-US" b="0" i="0" dirty="0">
-                <a:solidFill>
-                  <a:srgbClr val="000000"/>
-                </a:solidFill>
-                <a:effectLst/>
-                <a:latin typeface="Microsoft YaHei" panose="020B0503020204020204" pitchFamily="34" charset="-122"/>
-                <a:ea typeface="Microsoft YaHei" panose="020B0503020204020204" pitchFamily="34" charset="-122"/>
-              </a:rPr>
-              <a:t>外，也可以是</a:t>
-            </a:r>
-            <a:r>
-              <a:rPr lang="en-US" altLang="zh-CN" b="0" i="0" dirty="0">
-                <a:solidFill>
-                  <a:srgbClr val="000000"/>
-                </a:solidFill>
-                <a:effectLst/>
-                <a:latin typeface="Microsoft YaHei" panose="020B0503020204020204" pitchFamily="34" charset="-122"/>
-                <a:ea typeface="Microsoft YaHei" panose="020B0503020204020204" pitchFamily="34" charset="-122"/>
-              </a:rPr>
-              <a:t>DTS</a:t>
-            </a:r>
-            <a:r>
-              <a:rPr lang="zh-CN" altLang="en-US" b="0" i="0" dirty="0">
-                <a:solidFill>
-                  <a:srgbClr val="000000"/>
-                </a:solidFill>
-                <a:effectLst/>
-                <a:latin typeface="Microsoft YaHei" panose="020B0503020204020204" pitchFamily="34" charset="-122"/>
-                <a:ea typeface="Microsoft YaHei" panose="020B0503020204020204" pitchFamily="34" charset="-122"/>
-              </a:rPr>
-              <a:t>数码环绕音效、欧洲的</a:t>
-            </a:r>
-            <a:r>
-              <a:rPr lang="en-US" altLang="zh-CN" b="0" i="0" dirty="0">
-                <a:solidFill>
-                  <a:srgbClr val="000000"/>
-                </a:solidFill>
-                <a:effectLst/>
-                <a:latin typeface="Microsoft YaHei" panose="020B0503020204020204" pitchFamily="34" charset="-122"/>
-                <a:ea typeface="Microsoft YaHei" panose="020B0503020204020204" pitchFamily="34" charset="-122"/>
-              </a:rPr>
-              <a:t>MPEG 2</a:t>
-            </a:r>
-            <a:r>
-              <a:rPr lang="zh-CN" altLang="en-US" b="0" i="0" dirty="0">
-                <a:solidFill>
-                  <a:srgbClr val="000000"/>
-                </a:solidFill>
-                <a:effectLst/>
-                <a:latin typeface="Microsoft YaHei" panose="020B0503020204020204" pitchFamily="34" charset="-122"/>
-                <a:ea typeface="Microsoft YaHei" panose="020B0503020204020204" pitchFamily="34" charset="-122"/>
-              </a:rPr>
-              <a:t>、</a:t>
-            </a:r>
-            <a:r>
-              <a:rPr lang="en-US" altLang="zh-CN" b="0" i="0" dirty="0">
-                <a:solidFill>
-                  <a:srgbClr val="000000"/>
-                </a:solidFill>
-                <a:effectLst/>
-                <a:latin typeface="Microsoft YaHei" panose="020B0503020204020204" pitchFamily="34" charset="-122"/>
-                <a:ea typeface="Microsoft YaHei" panose="020B0503020204020204" pitchFamily="34" charset="-122"/>
-              </a:rPr>
-              <a:t>SONY</a:t>
-            </a:r>
-            <a:r>
-              <a:rPr lang="zh-CN" altLang="en-US" b="0" i="0" dirty="0">
-                <a:solidFill>
-                  <a:srgbClr val="000000"/>
-                </a:solidFill>
-                <a:effectLst/>
-                <a:latin typeface="Microsoft YaHei" panose="020B0503020204020204" pitchFamily="34" charset="-122"/>
-                <a:ea typeface="Microsoft YaHei" panose="020B0503020204020204" pitchFamily="34" charset="-122"/>
-              </a:rPr>
-              <a:t>发展的</a:t>
-            </a:r>
-            <a:r>
-              <a:rPr lang="en-US" altLang="zh-CN" b="0" i="0" dirty="0">
-                <a:solidFill>
-                  <a:srgbClr val="000000"/>
-                </a:solidFill>
-                <a:effectLst/>
-                <a:latin typeface="Microsoft YaHei" panose="020B0503020204020204" pitchFamily="34" charset="-122"/>
-                <a:ea typeface="Microsoft YaHei" panose="020B0503020204020204" pitchFamily="34" charset="-122"/>
-              </a:rPr>
-              <a:t>SDDS,</a:t>
-            </a:r>
-            <a:r>
-              <a:rPr lang="zh-CN" altLang="en-US" b="0" i="0" dirty="0">
-                <a:solidFill>
-                  <a:srgbClr val="000000"/>
-                </a:solidFill>
-                <a:effectLst/>
-                <a:latin typeface="Microsoft YaHei" panose="020B0503020204020204" pitchFamily="34" charset="-122"/>
-                <a:ea typeface="Microsoft YaHei" panose="020B0503020204020204" pitchFamily="34" charset="-122"/>
-              </a:rPr>
-              <a:t>，或以高音质立体声为诉求的</a:t>
-            </a:r>
-            <a:r>
-              <a:rPr lang="en-US" altLang="zh-CN" b="0" i="0" dirty="0">
-                <a:solidFill>
-                  <a:srgbClr val="000000"/>
-                </a:solidFill>
-                <a:effectLst/>
-                <a:latin typeface="Microsoft YaHei" panose="020B0503020204020204" pitchFamily="34" charset="-122"/>
-                <a:ea typeface="Microsoft YaHei" panose="020B0503020204020204" pitchFamily="34" charset="-122"/>
-              </a:rPr>
-              <a:t>PCM</a:t>
-            </a:r>
-            <a:r>
-              <a:rPr lang="zh-CN" altLang="en-US" b="0" i="0" dirty="0">
-                <a:solidFill>
-                  <a:srgbClr val="000000"/>
-                </a:solidFill>
-                <a:effectLst/>
-                <a:latin typeface="Microsoft YaHei" panose="020B0503020204020204" pitchFamily="34" charset="-122"/>
-                <a:ea typeface="Microsoft YaHei" panose="020B0503020204020204" pitchFamily="34" charset="-122"/>
-              </a:rPr>
-              <a:t>数码格式等</a:t>
-            </a:r>
-            <a:r>
-              <a:rPr lang="zh-CN" altLang="en-US" dirty="0">
-                <a:solidFill>
-                  <a:srgbClr val="000000"/>
-                </a:solidFill>
-                <a:latin typeface="Microsoft YaHei" panose="020B0503020204020204" pitchFamily="34" charset="-122"/>
-                <a:ea typeface="Microsoft YaHei" panose="020B0503020204020204" pitchFamily="34" charset="-122"/>
-              </a:rPr>
-              <a:t>。</a:t>
-            </a:r>
-            <a:r>
-              <a:rPr lang="zh-CN" altLang="en-US" b="0" i="0" dirty="0">
-                <a:solidFill>
-                  <a:srgbClr val="000000"/>
-                </a:solidFill>
-                <a:effectLst/>
-                <a:latin typeface="Microsoft YaHei" panose="020B0503020204020204" pitchFamily="34" charset="-122"/>
-                <a:ea typeface="Microsoft YaHei" panose="020B0503020204020204" pitchFamily="34" charset="-122"/>
-              </a:rPr>
-              <a:t>但目前</a:t>
-            </a:r>
-            <a:r>
-              <a:rPr lang="en-US" altLang="zh-CN" b="0" i="0" dirty="0">
-                <a:solidFill>
-                  <a:srgbClr val="000000"/>
-                </a:solidFill>
-                <a:effectLst/>
-                <a:latin typeface="Microsoft YaHei" panose="020B0503020204020204" pitchFamily="34" charset="-122"/>
-                <a:ea typeface="Microsoft YaHei" panose="020B0503020204020204" pitchFamily="34" charset="-122"/>
-              </a:rPr>
-              <a:t>DVD</a:t>
-            </a:r>
-            <a:r>
-              <a:rPr lang="zh-CN" altLang="en-US" b="0" i="0" dirty="0">
-                <a:solidFill>
-                  <a:srgbClr val="000000"/>
-                </a:solidFill>
-                <a:effectLst/>
-                <a:latin typeface="Microsoft YaHei" panose="020B0503020204020204" pitchFamily="34" charset="-122"/>
-                <a:ea typeface="Microsoft YaHei" panose="020B0503020204020204" pitchFamily="34" charset="-122"/>
-              </a:rPr>
-              <a:t>主要还是利用</a:t>
-            </a:r>
-            <a:r>
-              <a:rPr lang="en-US" altLang="zh-CN" b="0" i="0" dirty="0">
-                <a:solidFill>
-                  <a:srgbClr val="000000"/>
-                </a:solidFill>
-                <a:effectLst/>
-                <a:latin typeface="Microsoft YaHei" panose="020B0503020204020204" pitchFamily="34" charset="-122"/>
-                <a:ea typeface="Microsoft YaHei" panose="020B0503020204020204" pitchFamily="34" charset="-122"/>
-              </a:rPr>
-              <a:t>Dolby Digital</a:t>
-            </a:r>
-            <a:r>
-              <a:rPr lang="zh-CN" altLang="en-US" b="0" i="0" dirty="0">
-                <a:solidFill>
-                  <a:srgbClr val="000000"/>
-                </a:solidFill>
-                <a:effectLst/>
-                <a:latin typeface="Microsoft YaHei" panose="020B0503020204020204" pitchFamily="34" charset="-122"/>
-                <a:ea typeface="Microsoft YaHei" panose="020B0503020204020204" pitchFamily="34" charset="-122"/>
-              </a:rPr>
-              <a:t>来记录声音，营造丰富的环绕效果。下面就是几种可能在</a:t>
-            </a:r>
-            <a:r>
-              <a:rPr lang="en-US" altLang="zh-CN" b="0" i="0" dirty="0">
-                <a:solidFill>
-                  <a:srgbClr val="000000"/>
-                </a:solidFill>
-                <a:effectLst/>
-                <a:latin typeface="Microsoft YaHei" panose="020B0503020204020204" pitchFamily="34" charset="-122"/>
-                <a:ea typeface="Microsoft YaHei" panose="020B0503020204020204" pitchFamily="34" charset="-122"/>
-              </a:rPr>
-              <a:t>DVD</a:t>
-            </a:r>
-            <a:r>
-              <a:rPr lang="zh-CN" altLang="en-US" b="0" i="0" dirty="0">
-                <a:solidFill>
-                  <a:srgbClr val="000000"/>
-                </a:solidFill>
-                <a:effectLst/>
-                <a:latin typeface="Microsoft YaHei" panose="020B0503020204020204" pitchFamily="34" charset="-122"/>
-                <a:ea typeface="Microsoft YaHei" panose="020B0503020204020204" pitchFamily="34" charset="-122"/>
-              </a:rPr>
-              <a:t>上出现的</a:t>
-            </a:r>
-            <a:r>
-              <a:rPr lang="en-US" altLang="zh-CN" b="0" i="0" dirty="0">
-                <a:solidFill>
-                  <a:srgbClr val="000000"/>
-                </a:solidFill>
-                <a:effectLst/>
-                <a:latin typeface="Microsoft YaHei" panose="020B0503020204020204" pitchFamily="34" charset="-122"/>
-                <a:ea typeface="Microsoft YaHei" panose="020B0503020204020204" pitchFamily="34" charset="-122"/>
-              </a:rPr>
-              <a:t>Dolby Digital</a:t>
-            </a:r>
-            <a:r>
-              <a:rPr lang="zh-CN" altLang="en-US" b="0" i="0" dirty="0">
-                <a:solidFill>
-                  <a:srgbClr val="000000"/>
-                </a:solidFill>
-                <a:effectLst/>
-                <a:latin typeface="Microsoft YaHei" panose="020B0503020204020204" pitchFamily="34" charset="-122"/>
-                <a:ea typeface="Microsoft YaHei" panose="020B0503020204020204" pitchFamily="34" charset="-122"/>
-              </a:rPr>
-              <a:t>格式</a:t>
-            </a:r>
-            <a:r>
-              <a:rPr lang="zh-CN" altLang="en-US" dirty="0">
-                <a:hlinkClick r:id="rId2"/>
-              </a:rPr>
-              <a:t>杜比、</a:t>
-            </a:r>
-            <a:r>
-              <a:rPr lang="en-US" altLang="zh-CN" dirty="0">
-                <a:hlinkClick r:id="rId2"/>
-              </a:rPr>
-              <a:t>DTS</a:t>
-            </a:r>
-            <a:r>
-              <a:rPr lang="zh-CN" altLang="en-US" dirty="0">
-                <a:hlinkClick r:id="rId2"/>
-              </a:rPr>
-              <a:t>还是</a:t>
-            </a:r>
-            <a:r>
-              <a:rPr lang="en-US" altLang="zh-CN" dirty="0">
-                <a:hlinkClick r:id="rId2"/>
-              </a:rPr>
-              <a:t>THX</a:t>
-            </a:r>
-            <a:r>
-              <a:rPr lang="zh-CN" altLang="en-US" dirty="0">
-                <a:hlinkClick r:id="rId2"/>
-              </a:rPr>
-              <a:t>？各种常见音效详解</a:t>
-            </a:r>
-            <a:r>
-              <a:rPr lang="en-US" altLang="zh-CN" dirty="0">
-                <a:hlinkClick r:id="rId2"/>
-              </a:rPr>
-              <a:t>_</a:t>
-            </a:r>
-            <a:r>
-              <a:rPr lang="zh-CN" altLang="en-US" dirty="0">
-                <a:hlinkClick r:id="rId2"/>
-              </a:rPr>
-              <a:t>硬件</a:t>
-            </a:r>
-            <a:r>
-              <a:rPr lang="en-US" altLang="zh-CN" dirty="0">
-                <a:hlinkClick r:id="rId2"/>
-              </a:rPr>
-              <a:t>_</a:t>
-            </a:r>
-            <a:r>
-              <a:rPr lang="zh-CN" altLang="en-US" dirty="0">
-                <a:hlinkClick r:id="rId2"/>
-              </a:rPr>
-              <a:t>科技时代</a:t>
-            </a:r>
-            <a:r>
-              <a:rPr lang="en-US" altLang="zh-CN" dirty="0">
-                <a:hlinkClick r:id="rId2"/>
-              </a:rPr>
-              <a:t>_</a:t>
-            </a:r>
-            <a:r>
-              <a:rPr lang="zh-CN" altLang="en-US" dirty="0">
-                <a:hlinkClick r:id="rId2"/>
-              </a:rPr>
-              <a:t>新浪网 </a:t>
-            </a:r>
-            <a:r>
-              <a:rPr lang="en-US" altLang="zh-CN" dirty="0">
-                <a:hlinkClick r:id="rId2"/>
-              </a:rPr>
-              <a:t>(sina.com.cn)</a:t>
-            </a:r>
-            <a:endParaRPr lang="en-US" altLang="zh-CN" b="0" dirty="0">
-              <a:effectLst/>
-              <a:latin typeface="Arial" panose="020B0604020202020204" pitchFamily="34" charset="0"/>
-            </a:endParaRPr>
-          </a:p>
-          <a:p>
-            <a:pPr lvl="1"/>
-            <a:endParaRPr lang="zh-CN" altLang="en-US" dirty="0"/>
-          </a:p>
-        </p:txBody>
-      </p:sp>
-    </p:spTree>
-    <p:extLst>
-      <p:ext uri="{BB962C8B-B14F-4D97-AF65-F5344CB8AC3E}">
-        <p14:creationId xmlns:p14="http://schemas.microsoft.com/office/powerpoint/2010/main" val="2595743582"/>
-      </p:ext>
-    </p:extLst>
-  </p:cSld>
-  <p:clrMapOvr>
-    <a:masterClrMapping/>
-  </p:clrMapOvr>
-</p:sld>
-</file>
-
-<file path=ppt/slides/slide13.xml><?xml version="1.0" encoding="utf-8"?>
-<p:sld xmlns:a="http://schemas.openxmlformats.org/drawingml/2006/main" xmlns:r="http://schemas.openxmlformats.org/officeDocument/2006/relationships" xmlns:p="http://schemas.openxmlformats.org/presentationml/2006/main">
-  <p:cSld>
-    <p:spTree>
-      <p:nvGrpSpPr>
-        <p:cNvPr id="1" name=""/>
-        <p:cNvGrpSpPr/>
-        <p:nvPr/>
-      </p:nvGrpSpPr>
-      <p:grpSpPr>
-        <a:xfrm>
-          <a:off x="0" y="0"/>
-          <a:ext cx="0" cy="0"/>
-          <a:chOff x="0" y="0"/>
-          <a:chExt cx="0" cy="0"/>
-        </a:xfrm>
-      </p:grpSpPr>
-      <p:sp>
-        <p:nvSpPr>
-          <p:cNvPr id="2" name="标题 1">
-            <a:extLst>
-              <a:ext uri="{FF2B5EF4-FFF2-40B4-BE49-F238E27FC236}">
-                <a16:creationId xmlns:a16="http://schemas.microsoft.com/office/drawing/2014/main" id="{81E52478-C3BC-EF08-1C31-2978E116C4B4}"/>
-              </a:ext>
-            </a:extLst>
-          </p:cNvPr>
-          <p:cNvSpPr>
-            <a:spLocks noGrp="1"/>
-          </p:cNvSpPr>
-          <p:nvPr>
-            <p:ph type="title"/>
-          </p:nvPr>
-        </p:nvSpPr>
-        <p:spPr/>
-        <p:txBody>
-          <a:bodyPr/>
-          <a:lstStyle/>
-          <a:p>
-            <a:r>
-              <a:rPr lang="zh-CN" altLang="en-US" dirty="0"/>
-              <a:t>待办</a:t>
-            </a:r>
-          </a:p>
-        </p:txBody>
-      </p:sp>
-      <p:sp>
-        <p:nvSpPr>
-          <p:cNvPr id="3" name="内容占位符 2">
-            <a:extLst>
-              <a:ext uri="{FF2B5EF4-FFF2-40B4-BE49-F238E27FC236}">
-                <a16:creationId xmlns:a16="http://schemas.microsoft.com/office/drawing/2014/main" id="{03F06958-AC70-68FD-738B-0F3364EBFFD4}"/>
-              </a:ext>
-            </a:extLst>
-          </p:cNvPr>
-          <p:cNvSpPr>
-            <a:spLocks noGrp="1"/>
-          </p:cNvSpPr>
-          <p:nvPr>
-            <p:ph idx="1"/>
-          </p:nvPr>
-        </p:nvSpPr>
-        <p:spPr/>
-        <p:txBody>
-          <a:bodyPr/>
-          <a:lstStyle/>
-          <a:p>
-            <a:r>
-              <a:rPr lang="en-US" altLang="zh-CN" dirty="0"/>
-              <a:t>1</a:t>
-            </a:r>
-            <a:r>
-              <a:rPr lang="zh-CN" altLang="en-US" dirty="0"/>
-              <a:t>）</a:t>
-            </a:r>
-            <a:r>
-              <a:rPr lang="en-US" altLang="zh-CN" dirty="0"/>
-              <a:t>SNC8600 </a:t>
-            </a:r>
-            <a:r>
-              <a:rPr lang="zh-CN" altLang="en-US" dirty="0"/>
-              <a:t>搭配蓝牙，蓝牙芯片的选型</a:t>
-            </a:r>
-            <a:endParaRPr lang="en-US" altLang="zh-CN" dirty="0"/>
-          </a:p>
-          <a:p>
-            <a:pPr lvl="1"/>
-            <a:r>
-              <a:rPr lang="zh-CN" altLang="en-US" dirty="0"/>
-              <a:t>蓝牙协议的优缺点</a:t>
-            </a:r>
-            <a:endParaRPr lang="en-US" altLang="zh-CN" dirty="0"/>
-          </a:p>
-          <a:p>
-            <a:pPr lvl="1"/>
-            <a:r>
-              <a:rPr lang="zh-CN" altLang="en-US" dirty="0"/>
-              <a:t>成本优势</a:t>
-            </a:r>
-            <a:endParaRPr lang="en-US" altLang="zh-CN" dirty="0"/>
-          </a:p>
-          <a:p>
-            <a:r>
-              <a:rPr lang="en-US" altLang="zh-CN" dirty="0"/>
-              <a:t>2</a:t>
-            </a:r>
-            <a:r>
-              <a:rPr lang="zh-CN" altLang="en-US" dirty="0"/>
-              <a:t>）耳内拾音方案</a:t>
-            </a:r>
-            <a:endParaRPr lang="en-US" altLang="zh-CN" dirty="0"/>
-          </a:p>
-          <a:p>
-            <a:pPr lvl="1"/>
-            <a:r>
-              <a:rPr lang="en-US" altLang="zh-CN" dirty="0"/>
-              <a:t>SNC8600</a:t>
-            </a:r>
-            <a:r>
-              <a:rPr lang="zh-CN" altLang="en-US" dirty="0"/>
-              <a:t>方案的具体问题和解决方法</a:t>
-            </a:r>
-            <a:endParaRPr lang="en-US" altLang="zh-CN" dirty="0"/>
-          </a:p>
-          <a:p>
-            <a:pPr lvl="1"/>
-            <a:r>
-              <a:rPr lang="zh-CN" altLang="en-US" dirty="0"/>
-              <a:t>考虑是否选其他芯片方案落地</a:t>
-            </a:r>
-            <a:endParaRPr lang="en-US" altLang="zh-CN" dirty="0"/>
-          </a:p>
-          <a:p>
-            <a:r>
-              <a:rPr lang="en-US" altLang="zh-CN" dirty="0"/>
-              <a:t>3</a:t>
-            </a:r>
-            <a:r>
-              <a:rPr lang="zh-CN" altLang="en-US" dirty="0"/>
-              <a:t>）高校合作</a:t>
-            </a:r>
-            <a:endParaRPr lang="en-US" altLang="zh-CN" dirty="0"/>
-          </a:p>
-          <a:p>
-            <a:pPr lvl="1"/>
-            <a:r>
-              <a:rPr lang="zh-CN" altLang="en-US" dirty="0"/>
-              <a:t>何老师：合作方式、内容</a:t>
-            </a:r>
-            <a:endParaRPr lang="en-US" altLang="zh-CN" dirty="0"/>
-          </a:p>
-          <a:p>
-            <a:endParaRPr lang="zh-CN" altLang="en-US" dirty="0"/>
-          </a:p>
-        </p:txBody>
-      </p:sp>
-    </p:spTree>
-    <p:extLst>
-      <p:ext uri="{BB962C8B-B14F-4D97-AF65-F5344CB8AC3E}">
-        <p14:creationId xmlns:p14="http://schemas.microsoft.com/office/powerpoint/2010/main" val="2664022450"/>
+        <p14:creationId xmlns:p14="http://schemas.microsoft.com/office/powerpoint/2010/main" val="836634490"/>
       </p:ext>
     </p:extLst>
   </p:cSld>
@@ -6247,7 +5305,14 @@
           <a:bodyPr/>
           <a:lstStyle/>
           <a:p>
-            <a:endParaRPr lang="zh-CN" altLang="en-US" dirty="0"/>
+            <a:r>
+              <a:rPr lang="en-US" altLang="zh-CN" dirty="0"/>
+              <a:t>Q1</a:t>
+            </a:r>
+            <a:r>
+              <a:rPr lang="zh-CN" altLang="en-US" dirty="0"/>
+              <a:t>计划</a:t>
+            </a:r>
           </a:p>
         </p:txBody>
       </p:sp>
@@ -6397,7 +5462,7 @@
           <p:cNvPr id="2" name="标题 1">
             <a:extLst>
               <a:ext uri="{FF2B5EF4-FFF2-40B4-BE49-F238E27FC236}">
-                <a16:creationId xmlns:a16="http://schemas.microsoft.com/office/drawing/2014/main" id="{7772AA1F-35F6-7389-5514-ECB1AD2E2391}"/>
+                <a16:creationId xmlns:a16="http://schemas.microsoft.com/office/drawing/2014/main" id="{0765A8E1-64B8-6486-F99A-568F8085DE10}"/>
               </a:ext>
             </a:extLst>
           </p:cNvPr>
@@ -6413,7 +5478,22 @@
           <a:bodyPr/>
           <a:lstStyle/>
           <a:p>
-            <a:endParaRPr lang="zh-CN" altLang="en-US"/>
+            <a:r>
+              <a:rPr lang="en-US" altLang="zh-CN" dirty="0"/>
+              <a:t>DSP</a:t>
+            </a:r>
+            <a:r>
+              <a:rPr lang="zh-CN" altLang="en-US" dirty="0"/>
+              <a:t>后级音效处理</a:t>
+            </a:r>
+            <a:r>
+              <a:rPr lang="en-US" altLang="zh-CN" dirty="0"/>
+              <a:t>——</a:t>
+            </a:r>
+            <a:r>
+              <a:rPr lang="zh-CN" altLang="en-US" dirty="0"/>
+              <a:t>版本迭代计划</a:t>
+            </a:r>
           </a:p>
         </p:txBody>
       </p:sp>
@@ -6422,7 +5502,7 @@
           <p:cNvPr id="3" name="内容占位符 2">
             <a:extLst>
               <a:ext uri="{FF2B5EF4-FFF2-40B4-BE49-F238E27FC236}">
-                <a16:creationId xmlns:a16="http://schemas.microsoft.com/office/drawing/2014/main" id="{C89335F0-09D2-A049-7A13-C9D6AFB69F58}"/>
+                <a16:creationId xmlns:a16="http://schemas.microsoft.com/office/drawing/2014/main" id="{40AE7ADC-DE39-F7A3-EFC9-B2609CADD5C1}"/>
               </a:ext>
             </a:extLst>
           </p:cNvPr>
@@ -6435,118 +5515,219 @@
         </p:nvSpPr>
         <p:spPr/>
         <p:txBody>
-          <a:bodyPr/>
-          <a:lstStyle/>
-          <a:p>
-            <a:pPr algn="l"/>
+          <a:bodyPr>
+            <a:normAutofit fontScale="92500" lnSpcReduction="20000"/>
+          </a:bodyPr>
+          <a:lstStyle/>
+          <a:p>
             <a:r>
               <a:rPr lang="en-US" altLang="zh-CN" dirty="0"/>
-              <a:t>Single Chip builds in codec with Headphone Amp</a:t>
-            </a:r>
-            <a:r>
-              <a:rPr lang="zh-CN" altLang="en-US" b="0" i="0" dirty="0">
-                <a:solidFill>
-                  <a:srgbClr val="2A2B2E"/>
-                </a:solidFill>
-                <a:effectLst/>
-                <a:latin typeface="PingFang SC"/>
-              </a:rPr>
-              <a:t>内置</a:t>
-            </a:r>
-            <a:r>
-              <a:rPr lang="en-US" altLang="zh-CN" b="0" i="0" dirty="0">
-                <a:solidFill>
-                  <a:srgbClr val="2A2B2E"/>
-                </a:solidFill>
-                <a:effectLst/>
-                <a:latin typeface="PingFang SC"/>
-              </a:rPr>
-              <a:t>Codec</a:t>
-            </a:r>
-            <a:r>
-              <a:rPr lang="zh-CN" altLang="en-US" b="0" i="0" dirty="0">
-                <a:solidFill>
-                  <a:srgbClr val="2A2B2E"/>
-                </a:solidFill>
-                <a:effectLst/>
-                <a:latin typeface="PingFang SC"/>
-              </a:rPr>
-              <a:t>与耳机放大器的单芯片</a:t>
-            </a:r>
-            <a:endParaRPr lang="en-US" altLang="zh-CN" b="0" i="0" dirty="0">
-              <a:solidFill>
-                <a:srgbClr val="2A2B2E"/>
-              </a:solidFill>
-              <a:effectLst/>
-              <a:latin typeface="PingFang SC"/>
-            </a:endParaRPr>
-          </a:p>
-          <a:p>
+              <a:t>1</a:t>
+            </a:r>
+            <a:r>
+              <a:rPr lang="zh-CN" altLang="en-US" dirty="0"/>
+              <a:t>）市场调研</a:t>
+            </a:r>
+            <a:endParaRPr lang="en-US" altLang="zh-CN" dirty="0"/>
+          </a:p>
+          <a:p>
+            <a:pPr lvl="1"/>
             <a:r>
               <a:rPr lang="en-US" altLang="zh-CN" dirty="0"/>
-              <a:t>High Sample Rate and High Resolution(192KHz/24bit)</a:t>
-            </a:r>
-            <a:r>
-              <a:rPr lang="zh-CN" altLang="en-US" b="0" i="0" dirty="0">
-                <a:solidFill>
-                  <a:srgbClr val="2A2B2E"/>
-                </a:solidFill>
-                <a:effectLst/>
-                <a:latin typeface="PingFang SC"/>
-              </a:rPr>
-              <a:t>高采样率和高分辨率</a:t>
-            </a:r>
-            <a:r>
-              <a:rPr lang="en-US" altLang="zh-CN" b="0" i="0" dirty="0">
-                <a:solidFill>
-                  <a:srgbClr val="2A2B2E"/>
-                </a:solidFill>
-                <a:effectLst/>
-                <a:latin typeface="PingFang SC"/>
-              </a:rPr>
-              <a:t>(192KHz/24bit)</a:t>
-            </a:r>
-            <a:endParaRPr lang="zh-CN" altLang="en-US" b="0" i="0" dirty="0">
-              <a:solidFill>
-                <a:srgbClr val="2A2B2E"/>
-              </a:solidFill>
-              <a:effectLst/>
-              <a:latin typeface="PingFang SC"/>
-            </a:endParaRPr>
-          </a:p>
-          <a:p>
-            <a:r>
-              <a:rPr lang="en-US" altLang="zh-CN" b="0" i="0" dirty="0">
-                <a:solidFill>
-                  <a:srgbClr val="4D4D4D"/>
-                </a:solidFill>
-                <a:effectLst/>
-                <a:latin typeface="proxima-nova"/>
-              </a:rPr>
-              <a:t>Portable and Plug &amp; Play</a:t>
-            </a:r>
-            <a:r>
-              <a:rPr lang="zh-CN" altLang="en-US" b="0" i="0" dirty="0">
-                <a:solidFill>
-                  <a:srgbClr val="2A2B2E"/>
-                </a:solidFill>
-                <a:effectLst/>
-                <a:latin typeface="PingFang SC"/>
-              </a:rPr>
-              <a:t>便携式和即插即用</a:t>
-            </a:r>
-            <a:endParaRPr lang="en-US" altLang="zh-CN" b="0" i="0" dirty="0">
-              <a:solidFill>
-                <a:srgbClr val="4D4D4D"/>
-              </a:solidFill>
-              <a:effectLst/>
-              <a:latin typeface="proxima-nova"/>
-            </a:endParaRPr>
-          </a:p>
-          <a:p>
-            <a:br>
-              <a:rPr lang="zh-CN" altLang="en-US" dirty="0"/>
-            </a:br>
+              <a:t>Bose</a:t>
+            </a:r>
+            <a:r>
+              <a:rPr lang="zh-CN" altLang="en-US" dirty="0"/>
+              <a:t>、</a:t>
+            </a:r>
+            <a:r>
+              <a:rPr lang="en-US" altLang="zh-CN" dirty="0"/>
+              <a:t>B&amp;O</a:t>
+            </a:r>
+            <a:r>
+              <a:rPr lang="zh-CN" altLang="en-US" dirty="0"/>
+              <a:t>、</a:t>
+            </a:r>
+            <a:r>
+              <a:rPr lang="en-US" altLang="zh-CN" dirty="0" err="1"/>
+              <a:t>Sonnos</a:t>
+            </a:r>
+            <a:r>
+              <a:rPr lang="zh-CN" altLang="en-US" dirty="0"/>
+              <a:t>、马歇尔、惠威最新产品功能</a:t>
+            </a:r>
+            <a:r>
+              <a:rPr lang="en-US" altLang="zh-CN" dirty="0"/>
+              <a:t>&amp;Key Features</a:t>
+            </a:r>
+            <a:r>
+              <a:rPr lang="zh-CN" altLang="en-US" dirty="0"/>
+              <a:t>；近三年音箱产品的出货及走势</a:t>
+            </a:r>
+            <a:endParaRPr lang="en-US" altLang="zh-CN" dirty="0"/>
+          </a:p>
+          <a:p>
+            <a:pPr lvl="1"/>
+            <a:r>
+              <a:rPr lang="zh-CN" altLang="en-US" dirty="0"/>
+              <a:t>定个产品</a:t>
+            </a:r>
+            <a:r>
+              <a:rPr lang="en-US" altLang="zh-CN" dirty="0"/>
+              <a:t>Roadmap</a:t>
+            </a:r>
+            <a:r>
+              <a:rPr lang="zh-CN" altLang="en-US" dirty="0"/>
+              <a:t>，往后列</a:t>
+            </a:r>
+            <a:r>
+              <a:rPr lang="en-US" altLang="zh-CN" dirty="0"/>
+              <a:t>2</a:t>
+            </a:r>
+            <a:r>
+              <a:rPr lang="zh-CN" altLang="en-US" dirty="0"/>
+              <a:t>个迭代版本</a:t>
+            </a:r>
+            <a:endParaRPr lang="en-US" altLang="zh-CN" dirty="0"/>
+          </a:p>
+          <a:p>
+            <a:r>
+              <a:rPr lang="en-US" altLang="zh-CN" dirty="0"/>
+              <a:t>2</a:t>
+            </a:r>
+            <a:r>
+              <a:rPr lang="zh-CN" altLang="en-US" dirty="0"/>
+              <a:t>）功能分解</a:t>
+            </a:r>
+            <a:endParaRPr lang="en-US" altLang="zh-CN" dirty="0"/>
+          </a:p>
+          <a:p>
+            <a:pPr lvl="1"/>
+            <a:r>
+              <a:rPr lang="en-US" altLang="zh-CN" dirty="0"/>
+              <a:t>2.1</a:t>
+            </a:r>
+            <a:r>
+              <a:rPr lang="zh-CN" altLang="en-US" dirty="0"/>
+              <a:t>）</a:t>
+            </a:r>
+            <a:r>
+              <a:rPr lang="en-US" altLang="zh-CN" dirty="0"/>
+              <a:t>V2.0</a:t>
+            </a:r>
+            <a:r>
+              <a:rPr lang="zh-CN" altLang="en-US" dirty="0"/>
+              <a:t>、</a:t>
+            </a:r>
+            <a:r>
+              <a:rPr lang="en-US" altLang="zh-CN" dirty="0"/>
+              <a:t>V3.0</a:t>
+            </a:r>
+            <a:r>
+              <a:rPr lang="zh-CN" altLang="en-US" dirty="0"/>
+              <a:t>版本算法需求</a:t>
+            </a:r>
+            <a:endParaRPr lang="en-US" altLang="zh-CN" dirty="0"/>
+          </a:p>
+          <a:p>
+            <a:pPr lvl="1"/>
+            <a:r>
+              <a:rPr lang="en-US" altLang="zh-CN" dirty="0"/>
+              <a:t>2.2</a:t>
+            </a:r>
+            <a:r>
+              <a:rPr lang="zh-CN" altLang="en-US" dirty="0"/>
+              <a:t>）</a:t>
+            </a:r>
+            <a:r>
+              <a:rPr lang="en-US" altLang="zh-CN" dirty="0"/>
+              <a:t>V2.0</a:t>
+            </a:r>
+            <a:r>
+              <a:rPr lang="zh-CN" altLang="en-US" dirty="0"/>
+              <a:t>、</a:t>
+            </a:r>
+            <a:r>
+              <a:rPr lang="en-US" altLang="zh-CN" dirty="0"/>
+              <a:t>V3.0</a:t>
+            </a:r>
+            <a:r>
+              <a:rPr lang="zh-CN" altLang="en-US" dirty="0"/>
+              <a:t>版本其他指标需求</a:t>
+            </a:r>
+            <a:endParaRPr lang="en-US" altLang="zh-CN" dirty="0"/>
+          </a:p>
+          <a:p>
+            <a:r>
+              <a:rPr lang="en-US" altLang="zh-CN" dirty="0"/>
+              <a:t>3</a:t>
+            </a:r>
+            <a:r>
+              <a:rPr lang="zh-CN" altLang="en-US" dirty="0"/>
+              <a:t>）算法评估</a:t>
+            </a:r>
+            <a:endParaRPr lang="en-US" altLang="zh-CN" dirty="0"/>
+          </a:p>
+          <a:p>
+            <a:pPr lvl="1"/>
+            <a:r>
+              <a:rPr lang="en-US" altLang="zh-CN" dirty="0"/>
+              <a:t>3.1</a:t>
+            </a:r>
+            <a:r>
+              <a:rPr lang="zh-CN" altLang="en-US" dirty="0"/>
+              <a:t>）寻找优秀的第三方算法资源</a:t>
+            </a:r>
+            <a:endParaRPr lang="en-US" altLang="zh-CN" dirty="0"/>
+          </a:p>
+          <a:p>
+            <a:pPr lvl="1"/>
+            <a:r>
+              <a:rPr lang="en-US" altLang="zh-CN" dirty="0"/>
+              <a:t>3.2</a:t>
+            </a:r>
+            <a:r>
+              <a:rPr lang="zh-CN" altLang="en-US" dirty="0"/>
+              <a:t>）寻找优秀的开源算法</a:t>
+            </a:r>
+            <a:endParaRPr lang="en-US" altLang="zh-CN" dirty="0"/>
+          </a:p>
+          <a:p>
+            <a:pPr lvl="1"/>
+            <a:r>
+              <a:rPr lang="en-US" altLang="zh-CN" dirty="0"/>
+              <a:t>3.3</a:t>
+            </a:r>
+            <a:r>
+              <a:rPr lang="zh-CN" altLang="en-US" dirty="0"/>
+              <a:t>）评估算法各单元的算力和内存占用</a:t>
+            </a:r>
+            <a:endParaRPr lang="en-US" altLang="zh-CN" dirty="0"/>
+          </a:p>
+          <a:p>
+            <a:pPr lvl="1"/>
+            <a:r>
+              <a:rPr lang="en-US" altLang="zh-CN" dirty="0"/>
+              <a:t>3.4</a:t>
+            </a:r>
+            <a:r>
+              <a:rPr lang="zh-CN" altLang="en-US" dirty="0"/>
+              <a:t>）算法优化</a:t>
+            </a:r>
+            <a:endParaRPr lang="en-US" altLang="zh-CN" dirty="0"/>
+          </a:p>
+          <a:p>
+            <a:r>
+              <a:rPr lang="en-US" altLang="zh-CN" dirty="0"/>
+              <a:t>4</a:t>
+            </a:r>
+            <a:r>
+              <a:rPr lang="zh-CN" altLang="en-US" dirty="0"/>
+              <a:t>）</a:t>
+            </a:r>
+            <a:endParaRPr lang="en-US" altLang="zh-CN" dirty="0"/>
+          </a:p>
+          <a:p>
             <a:endParaRPr lang="zh-CN" altLang="en-US" dirty="0"/>
           </a:p>
         </p:txBody>
@@ -6554,7 +5735,7 @@
     </p:spTree>
     <p:extLst>
       <p:ext uri="{BB962C8B-B14F-4D97-AF65-F5344CB8AC3E}">
-        <p14:creationId xmlns:p14="http://schemas.microsoft.com/office/powerpoint/2010/main" val="836634490"/>
+        <p14:creationId xmlns:p14="http://schemas.microsoft.com/office/powerpoint/2010/main" val="1814550357"/>
       </p:ext>
     </p:extLst>
   </p:cSld>
@@ -6586,7 +5767,7 @@
           <p:cNvPr id="2" name="标题 1">
             <a:extLst>
               <a:ext uri="{FF2B5EF4-FFF2-40B4-BE49-F238E27FC236}">
-                <a16:creationId xmlns:a16="http://schemas.microsoft.com/office/drawing/2014/main" id="{3015047B-DE1F-6434-B3F6-C51553A32D8F}"/>
+                <a16:creationId xmlns:a16="http://schemas.microsoft.com/office/drawing/2014/main" id="{4513E939-34DA-8367-9EE0-51B81760004D}"/>
               </a:ext>
             </a:extLst>
           </p:cNvPr>
@@ -6602,39 +5783,55 @@
           <a:bodyPr/>
           <a:lstStyle/>
           <a:p>
-            <a:endParaRPr lang="zh-CN" altLang="en-US"/>
-          </a:p>
-        </p:txBody>
-      </p:sp>
-      <p:sp>
-        <p:nvSpPr>
-          <p:cNvPr id="3" name="内容占位符 2">
-            <a:extLst>
-              <a:ext uri="{FF2B5EF4-FFF2-40B4-BE49-F238E27FC236}">
-                <a16:creationId xmlns:a16="http://schemas.microsoft.com/office/drawing/2014/main" id="{96FDC0BE-C6E1-8F0C-218E-B525FE98E9C1}"/>
-              </a:ext>
-            </a:extLst>
-          </p:cNvPr>
-          <p:cNvSpPr>
-            <a:spLocks noGrp="1"/>
-          </p:cNvSpPr>
-          <p:nvPr>
-            <p:ph idx="1"/>
-          </p:nvPr>
-        </p:nvSpPr>
-        <p:spPr/>
-        <p:txBody>
-          <a:bodyPr/>
-          <a:lstStyle/>
-          <a:p>
+            <a:r>
+              <a:rPr lang="en-US" altLang="zh-CN" dirty="0"/>
+              <a:t>DSP</a:t>
+            </a:r>
+            <a:r>
+              <a:rPr lang="zh-CN" altLang="en-US" dirty="0"/>
+              <a:t>迭代计划</a:t>
+            </a:r>
+            <a:r>
+              <a:rPr lang="en-US" altLang="zh-CN" dirty="0"/>
+              <a:t>-Q1</a:t>
+            </a:r>
             <a:endParaRPr lang="zh-CN" altLang="en-US" dirty="0"/>
           </a:p>
         </p:txBody>
       </p:sp>
+      <p:pic>
+        <p:nvPicPr>
+          <p:cNvPr id="10" name="图片 9">
+            <a:extLst>
+              <a:ext uri="{FF2B5EF4-FFF2-40B4-BE49-F238E27FC236}">
+                <a16:creationId xmlns:a16="http://schemas.microsoft.com/office/drawing/2014/main" id="{1953ECD1-4860-F4A6-C501-6B30CFFB0B4F}"/>
+              </a:ext>
+            </a:extLst>
+          </p:cNvPr>
+          <p:cNvPicPr>
+            <a:picLocks noChangeAspect="1"/>
+          </p:cNvPicPr>
+          <p:nvPr/>
+        </p:nvPicPr>
+        <p:blipFill rotWithShape="1">
+          <a:blip r:embed="rId2"/>
+          <a:srcRect r="43269"/>
+          <a:stretch/>
+        </p:blipFill>
+        <p:spPr>
+          <a:xfrm>
+            <a:off x="747061" y="1790301"/>
+            <a:ext cx="10424461" cy="4097151"/>
+          </a:xfrm>
+          <a:prstGeom prst="rect">
+            <a:avLst/>
+          </a:prstGeom>
+        </p:spPr>
+      </p:pic>
     </p:spTree>
     <p:extLst>
       <p:ext uri="{BB962C8B-B14F-4D97-AF65-F5344CB8AC3E}">
-        <p14:creationId xmlns:p14="http://schemas.microsoft.com/office/powerpoint/2010/main" val="355440440"/>
+        <p14:creationId xmlns:p14="http://schemas.microsoft.com/office/powerpoint/2010/main" val="4029913114"/>
       </p:ext>
     </p:extLst>
   </p:cSld>
@@ -6666,7 +5863,7 @@
           <p:cNvPr id="2" name="标题 1">
             <a:extLst>
               <a:ext uri="{FF2B5EF4-FFF2-40B4-BE49-F238E27FC236}">
-                <a16:creationId xmlns:a16="http://schemas.microsoft.com/office/drawing/2014/main" id="{198805EB-5157-F464-616E-87FA20772AB6}"/>
+                <a16:creationId xmlns:a16="http://schemas.microsoft.com/office/drawing/2014/main" id="{7B7255A4-77B9-398F-1269-4B9F9A4BF4C3}"/>
               </a:ext>
             </a:extLst>
           </p:cNvPr>
@@ -6684,32 +5881,340 @@
           <a:p>
             <a:r>
               <a:rPr lang="en-US" altLang="zh-CN" dirty="0"/>
-              <a:t>IoT</a:t>
-            </a:r>
-            <a:endParaRPr lang="zh-CN" altLang="en-US" dirty="0"/>
-          </a:p>
-        </p:txBody>
-      </p:sp>
-      <p:sp>
-        <p:nvSpPr>
-          <p:cNvPr id="3" name="内容占位符 2">
-            <a:extLst>
-              <a:ext uri="{FF2B5EF4-FFF2-40B4-BE49-F238E27FC236}">
-                <a16:creationId xmlns:a16="http://schemas.microsoft.com/office/drawing/2014/main" id="{1345F598-3051-B243-552B-601D3494C3B7}"/>
-              </a:ext>
-            </a:extLst>
-          </p:cNvPr>
-          <p:cNvSpPr>
-            <a:spLocks noGrp="1"/>
-          </p:cNvSpPr>
+              <a:t>3.3</a:t>
+            </a:r>
+            <a:r>
+              <a:rPr lang="zh-CN" altLang="en-US" dirty="0"/>
+              <a:t>）评估算法各单元的算力和内存占用</a:t>
+            </a:r>
+          </a:p>
+        </p:txBody>
+      </p:sp>
+      <p:pic>
+        <p:nvPicPr>
+          <p:cNvPr id="1026" name="Picture 2">
+            <a:extLst>
+              <a:ext uri="{FF2B5EF4-FFF2-40B4-BE49-F238E27FC236}">
+                <a16:creationId xmlns:a16="http://schemas.microsoft.com/office/drawing/2014/main" id="{9C6D3D19-239A-04FF-EB9E-28EEF84439F2}"/>
+              </a:ext>
+            </a:extLst>
+          </p:cNvPr>
+          <p:cNvPicPr>
+            <a:picLocks noGrp="1" noChangeAspect="1" noChangeArrowheads="1"/>
+          </p:cNvPicPr>
           <p:nvPr>
             <p:ph idx="1"/>
           </p:nvPr>
-        </p:nvSpPr>
-        <p:spPr/>
-        <p:txBody>
-          <a:bodyPr/>
-          <a:lstStyle/>
+        </p:nvPicPr>
+        <p:blipFill>
+          <a:blip r:embed="rId2">
+            <a:extLst>
+              <a:ext uri="{28A0092B-C50C-407E-A947-70E740481C1C}">
+                <a14:useLocalDpi xmlns:a14="http://schemas.microsoft.com/office/drawing/2010/main" val="0"/>
+              </a:ext>
+            </a:extLst>
+          </a:blip>
+          <a:srcRect/>
+          <a:stretch>
+            <a:fillRect/>
+          </a:stretch>
+        </p:blipFill>
+        <p:spPr bwMode="auto">
+          <a:xfrm>
+            <a:off x="7555693" y="2334342"/>
+            <a:ext cx="3798107" cy="3519347"/>
+          </a:xfrm>
+          <a:prstGeom prst="rect">
+            <a:avLst/>
+          </a:prstGeom>
+          <a:noFill/>
+          <a:extLst>
+            <a:ext uri="{909E8E84-426E-40DD-AFC4-6F175D3DCCD1}">
+              <a14:hiddenFill xmlns:a14="http://schemas.microsoft.com/office/drawing/2010/main">
+                <a:solidFill>
+                  <a:srgbClr val="FFFFFF"/>
+                </a:solidFill>
+              </a14:hiddenFill>
+            </a:ext>
+          </a:extLst>
+        </p:spPr>
+      </p:pic>
+      <p:sp>
+        <p:nvSpPr>
+          <p:cNvPr id="4" name="内容占位符 2">
+            <a:extLst>
+              <a:ext uri="{FF2B5EF4-FFF2-40B4-BE49-F238E27FC236}">
+                <a16:creationId xmlns:a16="http://schemas.microsoft.com/office/drawing/2014/main" id="{B36CF71D-DD4F-89A3-E126-24B6D0BD327F}"/>
+              </a:ext>
+            </a:extLst>
+          </p:cNvPr>
+          <p:cNvSpPr txBox="1">
+            <a:spLocks/>
+          </p:cNvSpPr>
+          <p:nvPr/>
+        </p:nvSpPr>
+        <p:spPr>
+          <a:xfrm>
+            <a:off x="838200" y="1825625"/>
+            <a:ext cx="6569364" cy="4351338"/>
+          </a:xfrm>
+          <a:prstGeom prst="rect">
+            <a:avLst/>
+          </a:prstGeom>
+        </p:spPr>
+        <p:txBody>
+          <a:bodyPr vert="horz" lIns="91440" tIns="45720" rIns="91440" bIns="45720" rtlCol="0">
+            <a:normAutofit/>
+          </a:bodyPr>
+          <a:lstStyle>
+            <a:lvl1pPr marL="228600" indent="-228600" algn="l" defTabSz="914400" rtl="0" eaLnBrk="1" latinLnBrk="0" hangingPunct="1">
+              <a:lnSpc>
+                <a:spcPct val="90000"/>
+              </a:lnSpc>
+              <a:spcBef>
+                <a:spcPts val="1000"/>
+              </a:spcBef>
+              <a:buFont typeface="Arial" panose="020B0604020202020204" pitchFamily="34" charset="0"/>
+              <a:buChar char="•"/>
+              <a:defRPr sz="2800" kern="1200">
+                <a:solidFill>
+                  <a:schemeClr val="tx1"/>
+                </a:solidFill>
+                <a:latin typeface="+mn-lt"/>
+                <a:ea typeface="+mn-ea"/>
+                <a:cs typeface="+mn-cs"/>
+              </a:defRPr>
+            </a:lvl1pPr>
+            <a:lvl2pPr marL="685800" indent="-228600" algn="l" defTabSz="914400" rtl="0" eaLnBrk="1" latinLnBrk="0" hangingPunct="1">
+              <a:lnSpc>
+                <a:spcPct val="90000"/>
+              </a:lnSpc>
+              <a:spcBef>
+                <a:spcPts val="500"/>
+              </a:spcBef>
+              <a:buFont typeface="Arial" panose="020B0604020202020204" pitchFamily="34" charset="0"/>
+              <a:buChar char="•"/>
+              <a:defRPr sz="2400" kern="1200">
+                <a:solidFill>
+                  <a:schemeClr val="tx1"/>
+                </a:solidFill>
+                <a:latin typeface="+mn-lt"/>
+                <a:ea typeface="+mn-ea"/>
+                <a:cs typeface="+mn-cs"/>
+              </a:defRPr>
+            </a:lvl2pPr>
+            <a:lvl3pPr marL="1143000" indent="-228600" algn="l" defTabSz="914400" rtl="0" eaLnBrk="1" latinLnBrk="0" hangingPunct="1">
+              <a:lnSpc>
+                <a:spcPct val="90000"/>
+              </a:lnSpc>
+              <a:spcBef>
+                <a:spcPts val="500"/>
+              </a:spcBef>
+              <a:buFont typeface="Arial" panose="020B0604020202020204" pitchFamily="34" charset="0"/>
+              <a:buChar char="•"/>
+              <a:defRPr sz="2000" kern="1200">
+                <a:solidFill>
+                  <a:schemeClr val="tx1"/>
+                </a:solidFill>
+                <a:latin typeface="+mn-lt"/>
+                <a:ea typeface="+mn-ea"/>
+                <a:cs typeface="+mn-cs"/>
+              </a:defRPr>
+            </a:lvl3pPr>
+            <a:lvl4pPr marL="1600200" indent="-228600" algn="l" defTabSz="914400" rtl="0" eaLnBrk="1" latinLnBrk="0" hangingPunct="1">
+              <a:lnSpc>
+                <a:spcPct val="90000"/>
+              </a:lnSpc>
+              <a:spcBef>
+                <a:spcPts val="500"/>
+              </a:spcBef>
+              <a:buFont typeface="Arial" panose="020B0604020202020204" pitchFamily="34" charset="0"/>
+              <a:buChar char="•"/>
+              <a:defRPr sz="1800" kern="1200">
+                <a:solidFill>
+                  <a:schemeClr val="tx1"/>
+                </a:solidFill>
+                <a:latin typeface="+mn-lt"/>
+                <a:ea typeface="+mn-ea"/>
+                <a:cs typeface="+mn-cs"/>
+              </a:defRPr>
+            </a:lvl4pPr>
+            <a:lvl5pPr marL="2057400" indent="-228600" algn="l" defTabSz="914400" rtl="0" eaLnBrk="1" latinLnBrk="0" hangingPunct="1">
+              <a:lnSpc>
+                <a:spcPct val="90000"/>
+              </a:lnSpc>
+              <a:spcBef>
+                <a:spcPts val="500"/>
+              </a:spcBef>
+              <a:buFont typeface="Arial" panose="020B0604020202020204" pitchFamily="34" charset="0"/>
+              <a:buChar char="•"/>
+              <a:defRPr sz="1800" kern="1200">
+                <a:solidFill>
+                  <a:schemeClr val="tx1"/>
+                </a:solidFill>
+                <a:latin typeface="+mn-lt"/>
+                <a:ea typeface="+mn-ea"/>
+                <a:cs typeface="+mn-cs"/>
+              </a:defRPr>
+            </a:lvl5pPr>
+            <a:lvl6pPr marL="2514600" indent="-228600" algn="l" defTabSz="914400" rtl="0" eaLnBrk="1" latinLnBrk="0" hangingPunct="1">
+              <a:lnSpc>
+                <a:spcPct val="90000"/>
+              </a:lnSpc>
+              <a:spcBef>
+                <a:spcPts val="500"/>
+              </a:spcBef>
+              <a:buFont typeface="Arial" panose="020B0604020202020204" pitchFamily="34" charset="0"/>
+              <a:buChar char="•"/>
+              <a:defRPr sz="1800" kern="1200">
+                <a:solidFill>
+                  <a:schemeClr val="tx1"/>
+                </a:solidFill>
+                <a:latin typeface="+mn-lt"/>
+                <a:ea typeface="+mn-ea"/>
+                <a:cs typeface="+mn-cs"/>
+              </a:defRPr>
+            </a:lvl6pPr>
+            <a:lvl7pPr marL="2971800" indent="-228600" algn="l" defTabSz="914400" rtl="0" eaLnBrk="1" latinLnBrk="0" hangingPunct="1">
+              <a:lnSpc>
+                <a:spcPct val="90000"/>
+              </a:lnSpc>
+              <a:spcBef>
+                <a:spcPts val="500"/>
+              </a:spcBef>
+              <a:buFont typeface="Arial" panose="020B0604020202020204" pitchFamily="34" charset="0"/>
+              <a:buChar char="•"/>
+              <a:defRPr sz="1800" kern="1200">
+                <a:solidFill>
+                  <a:schemeClr val="tx1"/>
+                </a:solidFill>
+                <a:latin typeface="+mn-lt"/>
+                <a:ea typeface="+mn-ea"/>
+                <a:cs typeface="+mn-cs"/>
+              </a:defRPr>
+            </a:lvl7pPr>
+            <a:lvl8pPr marL="3429000" indent="-228600" algn="l" defTabSz="914400" rtl="0" eaLnBrk="1" latinLnBrk="0" hangingPunct="1">
+              <a:lnSpc>
+                <a:spcPct val="90000"/>
+              </a:lnSpc>
+              <a:spcBef>
+                <a:spcPts val="500"/>
+              </a:spcBef>
+              <a:buFont typeface="Arial" panose="020B0604020202020204" pitchFamily="34" charset="0"/>
+              <a:buChar char="•"/>
+              <a:defRPr sz="1800" kern="1200">
+                <a:solidFill>
+                  <a:schemeClr val="tx1"/>
+                </a:solidFill>
+                <a:latin typeface="+mn-lt"/>
+                <a:ea typeface="+mn-ea"/>
+                <a:cs typeface="+mn-cs"/>
+              </a:defRPr>
+            </a:lvl8pPr>
+            <a:lvl9pPr marL="3886200" indent="-228600" algn="l" defTabSz="914400" rtl="0" eaLnBrk="1" latinLnBrk="0" hangingPunct="1">
+              <a:lnSpc>
+                <a:spcPct val="90000"/>
+              </a:lnSpc>
+              <a:spcBef>
+                <a:spcPts val="500"/>
+              </a:spcBef>
+              <a:buFont typeface="Arial" panose="020B0604020202020204" pitchFamily="34" charset="0"/>
+              <a:buChar char="•"/>
+              <a:defRPr sz="1800" kern="1200">
+                <a:solidFill>
+                  <a:schemeClr val="tx1"/>
+                </a:solidFill>
+                <a:latin typeface="+mn-lt"/>
+                <a:ea typeface="+mn-ea"/>
+                <a:cs typeface="+mn-cs"/>
+              </a:defRPr>
+            </a:lvl9pPr>
+          </a:lstStyle>
+          <a:p>
+            <a:r>
+              <a:rPr lang="en-US" altLang="zh-CN" dirty="0">
+                <a:solidFill>
+                  <a:srgbClr val="3C4353"/>
+                </a:solidFill>
+                <a:latin typeface="Helvetica Neue"/>
+              </a:rPr>
+              <a:t>DRAM</a:t>
+            </a:r>
+            <a:r>
+              <a:rPr lang="zh-CN" altLang="en-US" dirty="0">
+                <a:solidFill>
+                  <a:srgbClr val="3C4353"/>
+                </a:solidFill>
+                <a:latin typeface="Helvetica Neue"/>
+              </a:rPr>
+              <a:t>空间目前全部功能打开的情况下还有</a:t>
+            </a:r>
+            <a:r>
+              <a:rPr lang="en-US" altLang="zh-CN" dirty="0">
+                <a:solidFill>
+                  <a:srgbClr val="3C4353"/>
+                </a:solidFill>
+                <a:latin typeface="Helvetica Neue"/>
+              </a:rPr>
+              <a:t>168K</a:t>
+            </a:r>
+            <a:r>
+              <a:rPr lang="zh-CN" altLang="en-US" dirty="0">
+                <a:solidFill>
+                  <a:srgbClr val="3C4353"/>
+                </a:solidFill>
+                <a:latin typeface="Helvetica Neue"/>
+              </a:rPr>
+              <a:t>剩余，余量充足。</a:t>
+            </a:r>
+          </a:p>
+          <a:p>
+            <a:r>
+              <a:rPr lang="en-US" altLang="zh-CN" dirty="0">
+                <a:solidFill>
+                  <a:srgbClr val="3C4353"/>
+                </a:solidFill>
+                <a:latin typeface="Helvetica Neue"/>
+              </a:rPr>
+              <a:t>IRAM</a:t>
+            </a:r>
+            <a:r>
+              <a:rPr lang="zh-CN" altLang="en-US" dirty="0">
+                <a:solidFill>
+                  <a:srgbClr val="3C4353"/>
+                </a:solidFill>
+                <a:latin typeface="Helvetica Neue"/>
+              </a:rPr>
+              <a:t>空间使用了</a:t>
+            </a:r>
+            <a:r>
+              <a:rPr lang="en-US" altLang="zh-CN" dirty="0">
+                <a:solidFill>
+                  <a:srgbClr val="3C4353"/>
+                </a:solidFill>
+                <a:latin typeface="Helvetica Neue"/>
+              </a:rPr>
+              <a:t>121K</a:t>
+            </a:r>
+            <a:r>
+              <a:rPr lang="zh-CN" altLang="en-US" dirty="0">
+                <a:solidFill>
+                  <a:srgbClr val="3C4353"/>
+                </a:solidFill>
+                <a:latin typeface="Helvetica Neue"/>
+              </a:rPr>
+              <a:t>，剩余</a:t>
+            </a:r>
+            <a:r>
+              <a:rPr lang="en-US" altLang="zh-CN" dirty="0">
+                <a:solidFill>
+                  <a:srgbClr val="3C4353"/>
+                </a:solidFill>
+                <a:latin typeface="Helvetica Neue"/>
+              </a:rPr>
+              <a:t>135K</a:t>
+            </a:r>
+          </a:p>
           <a:p>
             <a:endParaRPr lang="zh-CN" altLang="en-US" dirty="0"/>
           </a:p>
@@ -6718,7 +6223,7 @@
     </p:spTree>
     <p:extLst>
       <p:ext uri="{BB962C8B-B14F-4D97-AF65-F5344CB8AC3E}">
-        <p14:creationId xmlns:p14="http://schemas.microsoft.com/office/powerpoint/2010/main" val="1286333716"/>
+        <p14:creationId xmlns:p14="http://schemas.microsoft.com/office/powerpoint/2010/main" val="3615752743"/>
       </p:ext>
     </p:extLst>
   </p:cSld>
@@ -6750,7 +6255,7 @@
           <p:cNvPr id="2" name="标题 1">
             <a:extLst>
               <a:ext uri="{FF2B5EF4-FFF2-40B4-BE49-F238E27FC236}">
-                <a16:creationId xmlns:a16="http://schemas.microsoft.com/office/drawing/2014/main" id="{0765A8E1-64B8-6486-F99A-568F8085DE10}"/>
+                <a16:creationId xmlns:a16="http://schemas.microsoft.com/office/drawing/2014/main" id="{B670D544-6CAB-93CE-6309-5C9D26C48D16}"/>
               </a:ext>
             </a:extLst>
           </p:cNvPr>
@@ -6767,255 +6272,303 @@
           <a:lstStyle/>
           <a:p>
             <a:r>
+              <a:rPr lang="zh-CN" altLang="en-US" dirty="0"/>
+              <a:t>音效支持计划</a:t>
+            </a:r>
+          </a:p>
+        </p:txBody>
+      </p:sp>
+      <p:sp>
+        <p:nvSpPr>
+          <p:cNvPr id="3" name="内容占位符 2">
+            <a:extLst>
+              <a:ext uri="{FF2B5EF4-FFF2-40B4-BE49-F238E27FC236}">
+                <a16:creationId xmlns:a16="http://schemas.microsoft.com/office/drawing/2014/main" id="{AE5AC1D9-3365-061B-58F3-135EFB98F7C3}"/>
+              </a:ext>
+            </a:extLst>
+          </p:cNvPr>
+          <p:cNvSpPr>
+            <a:spLocks noGrp="1"/>
+          </p:cNvSpPr>
+          <p:nvPr>
+            <p:ph idx="1"/>
+          </p:nvPr>
+        </p:nvSpPr>
+        <p:spPr/>
+        <p:txBody>
+          <a:bodyPr>
+            <a:normAutofit fontScale="92500" lnSpcReduction="10000"/>
+          </a:bodyPr>
+          <a:lstStyle/>
+          <a:p>
+            <a:r>
               <a:rPr lang="en-US" altLang="zh-CN" dirty="0"/>
-              <a:t>DSP</a:t>
-            </a:r>
-            <a:r>
-              <a:rPr lang="zh-CN" altLang="en-US" dirty="0"/>
-              <a:t>后级音效处理</a:t>
-            </a:r>
+              <a:t>V2</a:t>
+            </a:r>
+            <a:r>
+              <a:rPr lang="zh-CN" altLang="en-US" dirty="0"/>
+              <a:t>版本</a:t>
+            </a:r>
+            <a:endParaRPr lang="en-US" altLang="zh-CN" dirty="0"/>
+          </a:p>
+          <a:p>
+            <a:pPr lvl="1"/>
+            <a:r>
+              <a:rPr lang="zh-CN" altLang="en-US" dirty="0"/>
+              <a:t>动态低音增强、</a:t>
+            </a:r>
+            <a:endParaRPr lang="en-US" altLang="zh-CN" dirty="0"/>
+          </a:p>
+          <a:p>
+            <a:pPr lvl="1"/>
+            <a:endParaRPr lang="en-US" altLang="zh-CN" dirty="0"/>
+          </a:p>
+          <a:p>
             <a:r>
               <a:rPr lang="en-US" altLang="zh-CN" dirty="0"/>
-              <a:t>——</a:t>
-            </a:r>
-            <a:r>
-              <a:rPr lang="zh-CN" altLang="en-US" dirty="0"/>
-              <a:t>版本迭代计划</a:t>
-            </a:r>
-          </a:p>
-        </p:txBody>
-      </p:sp>
-      <p:sp>
-        <p:nvSpPr>
-          <p:cNvPr id="3" name="内容占位符 2">
-            <a:extLst>
-              <a:ext uri="{FF2B5EF4-FFF2-40B4-BE49-F238E27FC236}">
-                <a16:creationId xmlns:a16="http://schemas.microsoft.com/office/drawing/2014/main" id="{40AE7ADC-DE39-F7A3-EFC9-B2609CADD5C1}"/>
-              </a:ext>
-            </a:extLst>
-          </p:cNvPr>
-          <p:cNvSpPr>
-            <a:spLocks noGrp="1"/>
-          </p:cNvSpPr>
-          <p:nvPr>
-            <p:ph idx="1"/>
-          </p:nvPr>
-        </p:nvSpPr>
-        <p:spPr/>
-        <p:txBody>
-          <a:bodyPr>
-            <a:normAutofit fontScale="92500" lnSpcReduction="20000"/>
-          </a:bodyPr>
-          <a:lstStyle/>
-          <a:p>
+              <a:t>V3</a:t>
+            </a:r>
+            <a:r>
+              <a:rPr lang="zh-CN" altLang="en-US" dirty="0"/>
+              <a:t>版本</a:t>
+            </a:r>
+            <a:endParaRPr lang="en-US" altLang="zh-CN" dirty="0"/>
+          </a:p>
+          <a:p>
+            <a:pPr lvl="1"/>
+            <a:r>
+              <a:rPr lang="zh-CN" altLang="en-US" b="0" dirty="0">
+                <a:effectLst/>
+                <a:latin typeface="Arial" panose="020B0604020202020204" pitchFamily="34" charset="0"/>
+              </a:rPr>
+              <a:t>杜比、</a:t>
+            </a:r>
             <a:r>
               <a:rPr lang="en-US" altLang="zh-CN" dirty="0"/>
-              <a:t>1</a:t>
-            </a:r>
-            <a:r>
-              <a:rPr lang="zh-CN" altLang="en-US" dirty="0"/>
-              <a:t>）市场调研</a:t>
-            </a:r>
-            <a:endParaRPr lang="en-US" altLang="zh-CN" dirty="0"/>
+              <a:t>DTS</a:t>
+            </a:r>
+            <a:r>
+              <a:rPr lang="zh-CN" altLang="en-US" dirty="0"/>
+              <a:t>、</a:t>
+            </a:r>
+            <a:r>
+              <a:rPr lang="en-US" altLang="zh-CN" dirty="0"/>
+              <a:t>THX</a:t>
+            </a:r>
+          </a:p>
+          <a:p>
+            <a:pPr lvl="2"/>
+            <a:r>
+              <a:rPr lang="en-US" altLang="zh-CN" sz="2400" dirty="0"/>
+              <a:t>Dolby Digital</a:t>
+            </a:r>
+            <a:r>
+              <a:rPr lang="zh-CN" altLang="en-US" sz="2400" dirty="0"/>
+              <a:t>音效，可以是最简化的单声道，也可以是</a:t>
+            </a:r>
+            <a:r>
+              <a:rPr lang="en-US" altLang="zh-CN" sz="2400" dirty="0"/>
+              <a:t>5.1</a:t>
+            </a:r>
+            <a:r>
+              <a:rPr lang="zh-CN" altLang="en-US" sz="2400" dirty="0"/>
+              <a:t>声道，也有介于两者之间的</a:t>
+            </a:r>
+            <a:r>
+              <a:rPr lang="en-US" altLang="zh-CN" sz="2400" dirty="0"/>
+              <a:t>Dolby Digital Stereo</a:t>
+            </a:r>
+            <a:r>
+              <a:rPr lang="zh-CN" altLang="en-US" sz="2400" dirty="0"/>
+              <a:t>、</a:t>
+            </a:r>
+            <a:r>
+              <a:rPr lang="en-US" altLang="zh-CN" sz="2400" dirty="0"/>
+              <a:t>Dolby Digital 4.0</a:t>
+            </a:r>
+            <a:r>
+              <a:rPr lang="zh-CN" altLang="en-US" sz="2400" dirty="0"/>
+              <a:t>、</a:t>
+            </a:r>
+            <a:r>
+              <a:rPr lang="en-US" altLang="zh-CN" sz="2400" dirty="0"/>
+              <a:t>Dolby Digital 5.0......</a:t>
+            </a:r>
+            <a:r>
+              <a:rPr lang="zh-CN" altLang="en-US" sz="2400" dirty="0"/>
+              <a:t>等方式</a:t>
+            </a:r>
+            <a:endParaRPr lang="en-US" altLang="zh-CN" sz="2400" dirty="0"/>
+          </a:p>
+          <a:p>
+            <a:pPr lvl="2"/>
+            <a:r>
+              <a:rPr lang="en-US" altLang="zh-CN" sz="2400" dirty="0"/>
+              <a:t>DVD</a:t>
+            </a:r>
+            <a:r>
+              <a:rPr lang="zh-CN" altLang="en-US" sz="2400" dirty="0"/>
+              <a:t>中的声音储存方式，除了</a:t>
+            </a:r>
+            <a:r>
+              <a:rPr lang="en-US" altLang="zh-CN" sz="2400" dirty="0"/>
+              <a:t>Dolby Digital</a:t>
+            </a:r>
+            <a:r>
+              <a:rPr lang="zh-CN" altLang="en-US" sz="2400" dirty="0"/>
+              <a:t>外，也可以是</a:t>
+            </a:r>
+            <a:r>
+              <a:rPr lang="en-US" altLang="zh-CN" sz="2400" dirty="0"/>
+              <a:t>DTS</a:t>
+            </a:r>
+            <a:r>
+              <a:rPr lang="zh-CN" altLang="en-US" sz="2400" dirty="0"/>
+              <a:t>数码环绕音效、欧洲的</a:t>
+            </a:r>
+            <a:r>
+              <a:rPr lang="en-US" altLang="zh-CN" sz="2400" dirty="0"/>
+              <a:t>MPEG 2</a:t>
+            </a:r>
+            <a:r>
+              <a:rPr lang="zh-CN" altLang="en-US" sz="2400" dirty="0"/>
+              <a:t>、</a:t>
+            </a:r>
+            <a:r>
+              <a:rPr lang="en-US" altLang="zh-CN" sz="2400" dirty="0"/>
+              <a:t>SONY</a:t>
+            </a:r>
+            <a:r>
+              <a:rPr lang="zh-CN" altLang="en-US" sz="2400" dirty="0"/>
+              <a:t>发展的</a:t>
+            </a:r>
+            <a:r>
+              <a:rPr lang="en-US" altLang="zh-CN" sz="2400" dirty="0"/>
+              <a:t>SDDS,</a:t>
+            </a:r>
+            <a:r>
+              <a:rPr lang="zh-CN" altLang="en-US" sz="2400" dirty="0"/>
+              <a:t>，或以高音质立体声为诉求的</a:t>
+            </a:r>
+            <a:r>
+              <a:rPr lang="en-US" altLang="zh-CN" sz="2400" dirty="0"/>
+              <a:t>PCM</a:t>
+            </a:r>
+            <a:r>
+              <a:rPr lang="zh-CN" altLang="en-US" sz="2400" dirty="0"/>
+              <a:t>数码格式等。但目前</a:t>
+            </a:r>
+            <a:r>
+              <a:rPr lang="en-US" altLang="zh-CN" sz="2400" dirty="0"/>
+              <a:t>DVD</a:t>
+            </a:r>
+            <a:r>
+              <a:rPr lang="zh-CN" altLang="en-US" sz="2400" dirty="0"/>
+              <a:t>主要还是利用</a:t>
+            </a:r>
+            <a:r>
+              <a:rPr lang="en-US" altLang="zh-CN" sz="2400" dirty="0"/>
+              <a:t>Dolby Digital</a:t>
+            </a:r>
+            <a:r>
+              <a:rPr lang="zh-CN" altLang="en-US" sz="2400" dirty="0"/>
+              <a:t>来记录声音，营造丰富的环绕效果。下面就是几种可能在</a:t>
+            </a:r>
+            <a:r>
+              <a:rPr lang="en-US" altLang="zh-CN" sz="2400" dirty="0"/>
+              <a:t>DVD</a:t>
+            </a:r>
+            <a:r>
+              <a:rPr lang="zh-CN" altLang="en-US" sz="2400" dirty="0"/>
+              <a:t>上出现的</a:t>
+            </a:r>
+            <a:r>
+              <a:rPr lang="en-US" altLang="zh-CN" sz="2400" dirty="0"/>
+              <a:t>Dolby Digital</a:t>
+            </a:r>
+            <a:r>
+              <a:rPr lang="zh-CN" altLang="en-US" sz="2400" dirty="0"/>
+              <a:t>格式</a:t>
+            </a:r>
+            <a:r>
+              <a:rPr lang="zh-CN" altLang="en-US" dirty="0">
+                <a:hlinkClick r:id="rId2"/>
+              </a:rPr>
+              <a:t>杜比、</a:t>
+            </a:r>
+            <a:r>
+              <a:rPr lang="en-US" altLang="zh-CN" dirty="0">
+                <a:hlinkClick r:id="rId2"/>
+              </a:rPr>
+              <a:t>DTS</a:t>
+            </a:r>
+            <a:r>
+              <a:rPr lang="zh-CN" altLang="en-US" dirty="0">
+                <a:hlinkClick r:id="rId2"/>
+              </a:rPr>
+              <a:t>还是</a:t>
+            </a:r>
+            <a:r>
+              <a:rPr lang="en-US" altLang="zh-CN" dirty="0">
+                <a:hlinkClick r:id="rId2"/>
+              </a:rPr>
+              <a:t>THX</a:t>
+            </a:r>
+            <a:r>
+              <a:rPr lang="zh-CN" altLang="en-US" dirty="0">
+                <a:hlinkClick r:id="rId2"/>
+              </a:rPr>
+              <a:t>？各种常见音效详解</a:t>
+            </a:r>
+            <a:r>
+              <a:rPr lang="en-US" altLang="zh-CN" dirty="0">
+                <a:hlinkClick r:id="rId2"/>
+              </a:rPr>
+              <a:t>_</a:t>
+            </a:r>
+            <a:r>
+              <a:rPr lang="zh-CN" altLang="en-US" dirty="0">
+                <a:hlinkClick r:id="rId2"/>
+              </a:rPr>
+              <a:t>硬件</a:t>
+            </a:r>
+            <a:r>
+              <a:rPr lang="en-US" altLang="zh-CN" dirty="0">
+                <a:hlinkClick r:id="rId2"/>
+              </a:rPr>
+              <a:t>_</a:t>
+            </a:r>
+            <a:r>
+              <a:rPr lang="zh-CN" altLang="en-US" dirty="0">
+                <a:hlinkClick r:id="rId2"/>
+              </a:rPr>
+              <a:t>科技时代</a:t>
+            </a:r>
+            <a:r>
+              <a:rPr lang="en-US" altLang="zh-CN" dirty="0">
+                <a:hlinkClick r:id="rId2"/>
+              </a:rPr>
+              <a:t>_</a:t>
+            </a:r>
+            <a:r>
+              <a:rPr lang="zh-CN" altLang="en-US" dirty="0">
+                <a:hlinkClick r:id="rId2"/>
+              </a:rPr>
+              <a:t>新浪网 </a:t>
+            </a:r>
+            <a:r>
+              <a:rPr lang="en-US" altLang="zh-CN" dirty="0">
+                <a:hlinkClick r:id="rId2"/>
+              </a:rPr>
+              <a:t>(sina.com.cn)</a:t>
+            </a:r>
+            <a:endParaRPr lang="en-US" altLang="zh-CN" b="0" dirty="0">
+              <a:effectLst/>
+              <a:latin typeface="Arial" panose="020B0604020202020204" pitchFamily="34" charset="0"/>
+            </a:endParaRPr>
           </a:p>
           <a:p>
             <a:pPr lvl="1"/>
-            <a:r>
-              <a:rPr lang="en-US" altLang="zh-CN" dirty="0"/>
-              <a:t>Bose</a:t>
-            </a:r>
-            <a:r>
-              <a:rPr lang="zh-CN" altLang="en-US" dirty="0"/>
-              <a:t>、</a:t>
-            </a:r>
-            <a:r>
-              <a:rPr lang="en-US" altLang="zh-CN" dirty="0"/>
-              <a:t>B&amp;O</a:t>
-            </a:r>
-            <a:r>
-              <a:rPr lang="zh-CN" altLang="en-US" dirty="0"/>
-              <a:t>、</a:t>
-            </a:r>
-            <a:r>
-              <a:rPr lang="en-US" altLang="zh-CN" dirty="0" err="1"/>
-              <a:t>Sonnos</a:t>
-            </a:r>
-            <a:r>
-              <a:rPr lang="zh-CN" altLang="en-US" dirty="0"/>
-              <a:t>、马歇尔、惠威最新产品功能</a:t>
-            </a:r>
-            <a:r>
-              <a:rPr lang="en-US" altLang="zh-CN" dirty="0"/>
-              <a:t>&amp;Key Features</a:t>
-            </a:r>
-            <a:r>
-              <a:rPr lang="zh-CN" altLang="en-US" dirty="0"/>
-              <a:t>；近三年音箱产品的出货及走势</a:t>
-            </a:r>
-            <a:endParaRPr lang="en-US" altLang="zh-CN" dirty="0"/>
-          </a:p>
-          <a:p>
-            <a:pPr lvl="1"/>
-            <a:r>
-              <a:rPr lang="zh-CN" altLang="en-US" dirty="0"/>
-              <a:t>定个产品</a:t>
-            </a:r>
-            <a:r>
-              <a:rPr lang="en-US" altLang="zh-CN" dirty="0"/>
-              <a:t>Roadmap</a:t>
-            </a:r>
-            <a:r>
-              <a:rPr lang="zh-CN" altLang="en-US" dirty="0"/>
-              <a:t>，往后列</a:t>
-            </a:r>
-            <a:r>
-              <a:rPr lang="en-US" altLang="zh-CN" dirty="0"/>
-              <a:t>2</a:t>
-            </a:r>
-            <a:r>
-              <a:rPr lang="zh-CN" altLang="en-US" dirty="0"/>
-              <a:t>个迭代版本</a:t>
-            </a:r>
-            <a:endParaRPr lang="en-US" altLang="zh-CN" dirty="0"/>
-          </a:p>
-          <a:p>
-            <a:r>
-              <a:rPr lang="en-US" altLang="zh-CN" dirty="0"/>
-              <a:t>2</a:t>
-            </a:r>
-            <a:r>
-              <a:rPr lang="zh-CN" altLang="en-US" dirty="0"/>
-              <a:t>）功能分解</a:t>
-            </a:r>
-            <a:endParaRPr lang="en-US" altLang="zh-CN" dirty="0"/>
-          </a:p>
-          <a:p>
-            <a:pPr lvl="1"/>
-            <a:r>
-              <a:rPr lang="en-US" altLang="zh-CN" dirty="0"/>
-              <a:t>2.1</a:t>
-            </a:r>
-            <a:r>
-              <a:rPr lang="zh-CN" altLang="en-US" dirty="0"/>
-              <a:t>）</a:t>
-            </a:r>
-            <a:r>
-              <a:rPr lang="en-US" altLang="zh-CN" dirty="0"/>
-              <a:t>V2.0</a:t>
-            </a:r>
-            <a:r>
-              <a:rPr lang="zh-CN" altLang="en-US" dirty="0"/>
-              <a:t>、</a:t>
-            </a:r>
-            <a:r>
-              <a:rPr lang="en-US" altLang="zh-CN" dirty="0"/>
-              <a:t>V3.0</a:t>
-            </a:r>
-            <a:r>
-              <a:rPr lang="zh-CN" altLang="en-US" dirty="0"/>
-              <a:t>版本算法需求</a:t>
-            </a:r>
-            <a:endParaRPr lang="en-US" altLang="zh-CN" dirty="0"/>
-          </a:p>
-          <a:p>
-            <a:pPr lvl="1"/>
-            <a:r>
-              <a:rPr lang="en-US" altLang="zh-CN" dirty="0"/>
-              <a:t>2.2</a:t>
-            </a:r>
-            <a:r>
-              <a:rPr lang="zh-CN" altLang="en-US" dirty="0"/>
-              <a:t>）</a:t>
-            </a:r>
-            <a:r>
-              <a:rPr lang="en-US" altLang="zh-CN" dirty="0"/>
-              <a:t>V2.0</a:t>
-            </a:r>
-            <a:r>
-              <a:rPr lang="zh-CN" altLang="en-US" dirty="0"/>
-              <a:t>、</a:t>
-            </a:r>
-            <a:r>
-              <a:rPr lang="en-US" altLang="zh-CN" dirty="0"/>
-              <a:t>V3.0</a:t>
-            </a:r>
-            <a:r>
-              <a:rPr lang="zh-CN" altLang="en-US" dirty="0"/>
-              <a:t>版本其他指标需求</a:t>
-            </a:r>
-            <a:endParaRPr lang="en-US" altLang="zh-CN" dirty="0"/>
-          </a:p>
-          <a:p>
-            <a:r>
-              <a:rPr lang="en-US" altLang="zh-CN" dirty="0"/>
-              <a:t>3</a:t>
-            </a:r>
-            <a:r>
-              <a:rPr lang="zh-CN" altLang="en-US" dirty="0"/>
-              <a:t>）算法评估</a:t>
-            </a:r>
-            <a:endParaRPr lang="en-US" altLang="zh-CN" dirty="0"/>
-          </a:p>
-          <a:p>
-            <a:pPr lvl="1"/>
-            <a:r>
-              <a:rPr lang="en-US" altLang="zh-CN" dirty="0"/>
-              <a:t>3.1</a:t>
-            </a:r>
-            <a:r>
-              <a:rPr lang="zh-CN" altLang="en-US" dirty="0"/>
-              <a:t>）寻找优秀的第三方算法资源</a:t>
-            </a:r>
-            <a:endParaRPr lang="en-US" altLang="zh-CN" dirty="0"/>
-          </a:p>
-          <a:p>
-            <a:pPr lvl="1"/>
-            <a:r>
-              <a:rPr lang="en-US" altLang="zh-CN" dirty="0"/>
-              <a:t>3.2</a:t>
-            </a:r>
-            <a:r>
-              <a:rPr lang="zh-CN" altLang="en-US" dirty="0"/>
-              <a:t>）寻找优秀的开源算法</a:t>
-            </a:r>
-            <a:endParaRPr lang="en-US" altLang="zh-CN" dirty="0"/>
-          </a:p>
-          <a:p>
-            <a:pPr lvl="1"/>
-            <a:r>
-              <a:rPr lang="en-US" altLang="zh-CN" dirty="0"/>
-              <a:t>3.3</a:t>
-            </a:r>
-            <a:r>
-              <a:rPr lang="zh-CN" altLang="en-US" dirty="0"/>
-              <a:t>）评估算法各单元的算力和内存占用</a:t>
-            </a:r>
-            <a:endParaRPr lang="en-US" altLang="zh-CN" dirty="0"/>
-          </a:p>
-          <a:p>
-            <a:pPr lvl="1"/>
-            <a:r>
-              <a:rPr lang="en-US" altLang="zh-CN" dirty="0"/>
-              <a:t>3.4</a:t>
-            </a:r>
-            <a:r>
-              <a:rPr lang="zh-CN" altLang="en-US" dirty="0"/>
-              <a:t>）算法优化</a:t>
-            </a:r>
-            <a:endParaRPr lang="en-US" altLang="zh-CN" dirty="0"/>
-          </a:p>
-          <a:p>
-            <a:r>
-              <a:rPr lang="en-US" altLang="zh-CN" dirty="0"/>
-              <a:t>4</a:t>
-            </a:r>
-            <a:r>
-              <a:rPr lang="zh-CN" altLang="en-US" dirty="0"/>
-              <a:t>）</a:t>
-            </a:r>
-            <a:endParaRPr lang="en-US" altLang="zh-CN" dirty="0"/>
-          </a:p>
-          <a:p>
             <a:endParaRPr lang="zh-CN" altLang="en-US" dirty="0"/>
           </a:p>
         </p:txBody>
@@ -7023,7 +6576,7 @@
     </p:spTree>
     <p:extLst>
       <p:ext uri="{BB962C8B-B14F-4D97-AF65-F5344CB8AC3E}">
-        <p14:creationId xmlns:p14="http://schemas.microsoft.com/office/powerpoint/2010/main" val="1814550357"/>
+        <p14:creationId xmlns:p14="http://schemas.microsoft.com/office/powerpoint/2010/main" val="2595743582"/>
       </p:ext>
     </p:extLst>
   </p:cSld>

--- a/2023/A0)RoutineWork/2023 工作内容和计划.pptx
+++ b/2023/A0)RoutineWork/2023 工作内容和计划.pptx
@@ -5,7 +5,7 @@
     <p:sldMasterId id="2147483648" r:id="rId1"/>
   </p:sldMasterIdLst>
   <p:notesMasterIdLst>
-    <p:notesMasterId r:id="rId13"/>
+    <p:notesMasterId r:id="rId14"/>
   </p:notesMasterIdLst>
   <p:sldIdLst>
     <p:sldId id="256" r:id="rId2"/>
@@ -19,6 +19,7 @@
     <p:sldId id="268" r:id="rId10"/>
     <p:sldId id="262" r:id="rId11"/>
     <p:sldId id="263" r:id="rId12"/>
+    <p:sldId id="269" r:id="rId13"/>
   </p:sldIdLst>
   <p:sldSz cx="12192000" cy="6858000"/>
   <p:notesSz cx="6858000" cy="9144000"/>
@@ -145,6 +146,7 @@
         <p14:section name="一些有用的信息" id="{937F4523-F620-4A14-AB86-4671AB9C2BE8}">
           <p14:sldIdLst>
             <p14:sldId id="263"/>
+            <p14:sldId id="269"/>
           </p14:sldIdLst>
         </p14:section>
       </p14:sectionLst>
@@ -238,7 +240,7 @@
           <a:p>
             <a:fld id="{BC3847C8-96F3-4CFC-9A88-327754BEA498}" type="datetimeFigureOut">
               <a:rPr lang="zh-CN" altLang="en-US" smtClean="0"/>
-              <a:t>2023/4/21</a:t>
+              <a:t>2023/4/23</a:t>
             </a:fld>
             <a:endParaRPr lang="zh-CN" altLang="en-US"/>
           </a:p>
@@ -937,7 +939,7 @@
           <a:p>
             <a:fld id="{027A2725-75A9-4B2C-8B43-46AA9EA70B3C}" type="datetimeFigureOut">
               <a:rPr lang="zh-CN" altLang="en-US" smtClean="0"/>
-              <a:t>2023/4/21</a:t>
+              <a:t>2023/4/23</a:t>
             </a:fld>
             <a:endParaRPr lang="zh-CN" altLang="en-US"/>
           </a:p>
@@ -1135,7 +1137,7 @@
           <a:p>
             <a:fld id="{027A2725-75A9-4B2C-8B43-46AA9EA70B3C}" type="datetimeFigureOut">
               <a:rPr lang="zh-CN" altLang="en-US" smtClean="0"/>
-              <a:t>2023/4/21</a:t>
+              <a:t>2023/4/23</a:t>
             </a:fld>
             <a:endParaRPr lang="zh-CN" altLang="en-US"/>
           </a:p>
@@ -1343,7 +1345,7 @@
           <a:p>
             <a:fld id="{027A2725-75A9-4B2C-8B43-46AA9EA70B3C}" type="datetimeFigureOut">
               <a:rPr lang="zh-CN" altLang="en-US" smtClean="0"/>
-              <a:t>2023/4/21</a:t>
+              <a:t>2023/4/23</a:t>
             </a:fld>
             <a:endParaRPr lang="zh-CN" altLang="en-US"/>
           </a:p>
@@ -1541,7 +1543,7 @@
           <a:p>
             <a:fld id="{027A2725-75A9-4B2C-8B43-46AA9EA70B3C}" type="datetimeFigureOut">
               <a:rPr lang="zh-CN" altLang="en-US" smtClean="0"/>
-              <a:t>2023/4/21</a:t>
+              <a:t>2023/4/23</a:t>
             </a:fld>
             <a:endParaRPr lang="zh-CN" altLang="en-US"/>
           </a:p>
@@ -1816,7 +1818,7 @@
           <a:p>
             <a:fld id="{027A2725-75A9-4B2C-8B43-46AA9EA70B3C}" type="datetimeFigureOut">
               <a:rPr lang="zh-CN" altLang="en-US" smtClean="0"/>
-              <a:t>2023/4/21</a:t>
+              <a:t>2023/4/23</a:t>
             </a:fld>
             <a:endParaRPr lang="zh-CN" altLang="en-US"/>
           </a:p>
@@ -2081,7 +2083,7 @@
           <a:p>
             <a:fld id="{027A2725-75A9-4B2C-8B43-46AA9EA70B3C}" type="datetimeFigureOut">
               <a:rPr lang="zh-CN" altLang="en-US" smtClean="0"/>
-              <a:t>2023/4/21</a:t>
+              <a:t>2023/4/23</a:t>
             </a:fld>
             <a:endParaRPr lang="zh-CN" altLang="en-US"/>
           </a:p>
@@ -2493,7 +2495,7 @@
           <a:p>
             <a:fld id="{027A2725-75A9-4B2C-8B43-46AA9EA70B3C}" type="datetimeFigureOut">
               <a:rPr lang="zh-CN" altLang="en-US" smtClean="0"/>
-              <a:t>2023/4/21</a:t>
+              <a:t>2023/4/23</a:t>
             </a:fld>
             <a:endParaRPr lang="zh-CN" altLang="en-US"/>
           </a:p>
@@ -2634,7 +2636,7 @@
           <a:p>
             <a:fld id="{027A2725-75A9-4B2C-8B43-46AA9EA70B3C}" type="datetimeFigureOut">
               <a:rPr lang="zh-CN" altLang="en-US" smtClean="0"/>
-              <a:t>2023/4/21</a:t>
+              <a:t>2023/4/23</a:t>
             </a:fld>
             <a:endParaRPr lang="zh-CN" altLang="en-US"/>
           </a:p>
@@ -2747,7 +2749,7 @@
           <a:p>
             <a:fld id="{027A2725-75A9-4B2C-8B43-46AA9EA70B3C}" type="datetimeFigureOut">
               <a:rPr lang="zh-CN" altLang="en-US" smtClean="0"/>
-              <a:t>2023/4/21</a:t>
+              <a:t>2023/4/23</a:t>
             </a:fld>
             <a:endParaRPr lang="zh-CN" altLang="en-US"/>
           </a:p>
@@ -3058,7 +3060,7 @@
           <a:p>
             <a:fld id="{027A2725-75A9-4B2C-8B43-46AA9EA70B3C}" type="datetimeFigureOut">
               <a:rPr lang="zh-CN" altLang="en-US" smtClean="0"/>
-              <a:t>2023/4/21</a:t>
+              <a:t>2023/4/23</a:t>
             </a:fld>
             <a:endParaRPr lang="zh-CN" altLang="en-US"/>
           </a:p>
@@ -3346,7 +3348,7 @@
           <a:p>
             <a:fld id="{027A2725-75A9-4B2C-8B43-46AA9EA70B3C}" type="datetimeFigureOut">
               <a:rPr lang="zh-CN" altLang="en-US" smtClean="0"/>
-              <a:t>2023/4/21</a:t>
+              <a:t>2023/4/23</a:t>
             </a:fld>
             <a:endParaRPr lang="zh-CN" altLang="en-US"/>
           </a:p>
@@ -3587,7 +3589,7 @@
           <a:p>
             <a:fld id="{027A2725-75A9-4B2C-8B43-46AA9EA70B3C}" type="datetimeFigureOut">
               <a:rPr lang="zh-CN" altLang="en-US" smtClean="0"/>
-              <a:t>2023/4/21</a:t>
+              <a:t>2023/4/23</a:t>
             </a:fld>
             <a:endParaRPr lang="zh-CN" altLang="en-US"/>
           </a:p>
@@ -4425,6 +4427,86 @@
     <p:extLst>
       <p:ext uri="{BB962C8B-B14F-4D97-AF65-F5344CB8AC3E}">
         <p14:creationId xmlns:p14="http://schemas.microsoft.com/office/powerpoint/2010/main" val="836634490"/>
+      </p:ext>
+    </p:extLst>
+  </p:cSld>
+  <p:clrMapOvr>
+    <a:masterClrMapping/>
+  </p:clrMapOvr>
+</p:sld>
+</file>
+
+<file path=ppt/slides/slide12.xml><?xml version="1.0" encoding="utf-8"?>
+<p:sld xmlns:a="http://schemas.openxmlformats.org/drawingml/2006/main" xmlns:r="http://schemas.openxmlformats.org/officeDocument/2006/relationships" xmlns:p="http://schemas.openxmlformats.org/presentationml/2006/main">
+  <p:cSld>
+    <p:spTree>
+      <p:nvGrpSpPr>
+        <p:cNvPr id="1" name=""/>
+        <p:cNvGrpSpPr/>
+        <p:nvPr/>
+      </p:nvGrpSpPr>
+      <p:grpSpPr>
+        <a:xfrm>
+          <a:off x="0" y="0"/>
+          <a:ext cx="0" cy="0"/>
+          <a:chOff x="0" y="0"/>
+          <a:chExt cx="0" cy="0"/>
+        </a:xfrm>
+      </p:grpSpPr>
+      <p:sp>
+        <p:nvSpPr>
+          <p:cNvPr id="2" name="标题 1">
+            <a:extLst>
+              <a:ext uri="{FF2B5EF4-FFF2-40B4-BE49-F238E27FC236}">
+                <a16:creationId xmlns:a16="http://schemas.microsoft.com/office/drawing/2014/main" id="{B9251BCE-BA10-6FB9-CF2F-9C2CEBFB9A8B}"/>
+              </a:ext>
+            </a:extLst>
+          </p:cNvPr>
+          <p:cNvSpPr>
+            <a:spLocks noGrp="1"/>
+          </p:cNvSpPr>
+          <p:nvPr>
+            <p:ph type="title"/>
+          </p:nvPr>
+        </p:nvSpPr>
+        <p:spPr/>
+        <p:txBody>
+          <a:bodyPr/>
+          <a:lstStyle/>
+          <a:p>
+            <a:endParaRPr lang="zh-CN" altLang="en-US"/>
+          </a:p>
+        </p:txBody>
+      </p:sp>
+      <p:sp>
+        <p:nvSpPr>
+          <p:cNvPr id="3" name="内容占位符 2">
+            <a:extLst>
+              <a:ext uri="{FF2B5EF4-FFF2-40B4-BE49-F238E27FC236}">
+                <a16:creationId xmlns:a16="http://schemas.microsoft.com/office/drawing/2014/main" id="{430B4373-A0D7-889E-F1E6-84582FFAF5A9}"/>
+              </a:ext>
+            </a:extLst>
+          </p:cNvPr>
+          <p:cNvSpPr>
+            <a:spLocks noGrp="1"/>
+          </p:cNvSpPr>
+          <p:nvPr>
+            <p:ph idx="1"/>
+          </p:nvPr>
+        </p:nvSpPr>
+        <p:spPr/>
+        <p:txBody>
+          <a:bodyPr/>
+          <a:lstStyle/>
+          <a:p>
+            <a:endParaRPr lang="zh-CN" altLang="en-US"/>
+          </a:p>
+        </p:txBody>
+      </p:sp>
+    </p:spTree>
+    <p:extLst>
+      <p:ext uri="{BB962C8B-B14F-4D97-AF65-F5344CB8AC3E}">
+        <p14:creationId xmlns:p14="http://schemas.microsoft.com/office/powerpoint/2010/main" val="2344337082"/>
       </p:ext>
     </p:extLst>
   </p:cSld>
